--- a/Acessibility.pptx
+++ b/Acessibility.pptx
@@ -5,12 +5,18 @@
     <p:sldMasterId id="2147483648" r:id="rId4"/>
   </p:sldMasterIdLst>
   <p:notesMasterIdLst>
-    <p:notesMasterId r:id="rId8"/>
+    <p:notesMasterId r:id="rId14"/>
   </p:notesMasterIdLst>
   <p:sldIdLst>
     <p:sldId id="341" r:id="rId5"/>
-    <p:sldId id="346" r:id="rId6"/>
-    <p:sldId id="295" r:id="rId7"/>
+    <p:sldId id="347" r:id="rId6"/>
+    <p:sldId id="346" r:id="rId7"/>
+    <p:sldId id="348" r:id="rId8"/>
+    <p:sldId id="349" r:id="rId9"/>
+    <p:sldId id="351" r:id="rId10"/>
+    <p:sldId id="350" r:id="rId11"/>
+    <p:sldId id="352" r:id="rId12"/>
+    <p:sldId id="295" r:id="rId13"/>
   </p:sldIdLst>
   <p:sldSz cx="12192000" cy="6858000"/>
   <p:notesSz cx="6858000" cy="9144000"/>
@@ -115,7 +121,13 @@
         <p14:section name="Default Section" id="{66601402-C8C8-5641-BA53-6E9E40F9D2FF}">
           <p14:sldIdLst>
             <p14:sldId id="341"/>
+            <p14:sldId id="347"/>
             <p14:sldId id="346"/>
+            <p14:sldId id="348"/>
+            <p14:sldId id="349"/>
+            <p14:sldId id="351"/>
+            <p14:sldId id="350"/>
+            <p14:sldId id="352"/>
             <p14:sldId id="295"/>
           </p14:sldIdLst>
         </p14:section>
@@ -161,7 +173,7 @@
 <file path=ppt/revisionInfo.xml><?xml version="1.0" encoding="utf-8"?>
 <p1510:revInfo xmlns:a="http://schemas.openxmlformats.org/drawingml/2006/main" xmlns:r="http://schemas.openxmlformats.org/officeDocument/2006/relationships" xmlns:p1510="http://schemas.microsoft.com/office/powerpoint/2015/10/main">
   <p1510:revLst>
-    <p1510:client id="{0C6A02E8-098F-4C51-8B44-55B4DCBE8BAE}" v="2" dt="2023-09-19T10:15:39.281"/>
+    <p1510:client id="{0C6A02E8-098F-4C51-8B44-55B4DCBE8BAE}" v="33" dt="2023-09-21T13:57:15.608"/>
   </p1510:revLst>
 </p1510:revInfo>
 </file>
@@ -170,41 +182,81 @@
 <pc:chgInfo xmlns:a="http://schemas.openxmlformats.org/drawingml/2006/main" xmlns:r="http://schemas.openxmlformats.org/officeDocument/2006/relationships" xmlns:ac="http://schemas.microsoft.com/office/drawing/2013/main/command" xmlns:pc="http://schemas.microsoft.com/office/powerpoint/2013/main/command">
   <pc:docChgLst>
     <pc:chgData name="Vijay Kumar" userId="04090c84-9707-4e6a-b6ce-3e5903922e7e" providerId="ADAL" clId="{0C6A02E8-098F-4C51-8B44-55B4DCBE8BAE}"/>
-    <pc:docChg chg="undo custSel modSld">
-      <pc:chgData name="Vijay Kumar" userId="04090c84-9707-4e6a-b6ce-3e5903922e7e" providerId="ADAL" clId="{0C6A02E8-098F-4C51-8B44-55B4DCBE8BAE}" dt="2023-09-19T10:16:03.036" v="57" actId="113"/>
+    <pc:docChg chg="undo custSel addSld modSld sldOrd modSection">
+      <pc:chgData name="Vijay Kumar" userId="04090c84-9707-4e6a-b6ce-3e5903922e7e" providerId="ADAL" clId="{0C6A02E8-098F-4C51-8B44-55B4DCBE8BAE}" dt="2023-09-25T13:00:36.160" v="2513" actId="1035"/>
       <pc:docMkLst>
         <pc:docMk/>
       </pc:docMkLst>
-      <pc:sldChg chg="addSp delSp modSp mod">
-        <pc:chgData name="Vijay Kumar" userId="04090c84-9707-4e6a-b6ce-3e5903922e7e" providerId="ADAL" clId="{0C6A02E8-098F-4C51-8B44-55B4DCBE8BAE}" dt="2023-09-19T10:16:03.036" v="57" actId="113"/>
+      <pc:sldChg chg="addSp delSp modSp mod modClrScheme chgLayout">
+        <pc:chgData name="Vijay Kumar" userId="04090c84-9707-4e6a-b6ce-3e5903922e7e" providerId="ADAL" clId="{0C6A02E8-098F-4C51-8B44-55B4DCBE8BAE}" dt="2023-09-25T13:00:36.160" v="2513" actId="1035"/>
         <pc:sldMkLst>
           <pc:docMk/>
           <pc:sldMk cId="2362907162" sldId="341"/>
         </pc:sldMkLst>
+        <pc:spChg chg="add del mod">
+          <ac:chgData name="Vijay Kumar" userId="04090c84-9707-4e6a-b6ce-3e5903922e7e" providerId="ADAL" clId="{0C6A02E8-098F-4C51-8B44-55B4DCBE8BAE}" dt="2023-09-20T13:11:20.182" v="105" actId="478"/>
+          <ac:spMkLst>
+            <pc:docMk/>
+            <pc:sldMk cId="2362907162" sldId="341"/>
+            <ac:spMk id="5" creationId="{747D8088-C829-184B-D7F3-127356D1E0D4}"/>
+          </ac:spMkLst>
+        </pc:spChg>
         <pc:spChg chg="add del">
-          <ac:chgData name="Vijay Kumar" userId="04090c84-9707-4e6a-b6ce-3e5903922e7e" providerId="ADAL" clId="{0C6A02E8-098F-4C51-8B44-55B4DCBE8BAE}" dt="2023-09-19T10:15:39.281" v="55" actId="931"/>
+          <ac:chgData name="Vijay Kumar" userId="04090c84-9707-4e6a-b6ce-3e5903922e7e" providerId="ADAL" clId="{0C6A02E8-098F-4C51-8B44-55B4DCBE8BAE}" dt="2023-09-20T13:12:32.804" v="113" actId="931"/>
           <ac:spMkLst>
             <pc:docMk/>
             <pc:sldMk cId="2362907162" sldId="341"/>
             <ac:spMk id="6" creationId="{E047B097-32A7-E8FC-FDBD-E728F23E505F}"/>
           </ac:spMkLst>
         </pc:spChg>
-        <pc:spChg chg="mod">
-          <ac:chgData name="Vijay Kumar" userId="04090c84-9707-4e6a-b6ce-3e5903922e7e" providerId="ADAL" clId="{0C6A02E8-098F-4C51-8B44-55B4DCBE8BAE}" dt="2023-09-19T10:16:03.036" v="57" actId="113"/>
+        <pc:spChg chg="add del mod ord">
+          <ac:chgData name="Vijay Kumar" userId="04090c84-9707-4e6a-b6ce-3e5903922e7e" providerId="ADAL" clId="{0C6A02E8-098F-4C51-8B44-55B4DCBE8BAE}" dt="2023-09-20T13:11:19.561" v="103" actId="700"/>
+          <ac:spMkLst>
+            <pc:docMk/>
+            <pc:sldMk cId="2362907162" sldId="341"/>
+            <ac:spMk id="7" creationId="{6B83BCA2-2759-4E52-C5E4-0B9D7517FA83}"/>
+          </ac:spMkLst>
+        </pc:spChg>
+        <pc:spChg chg="mod ord">
+          <ac:chgData name="Vijay Kumar" userId="04090c84-9707-4e6a-b6ce-3e5903922e7e" providerId="ADAL" clId="{0C6A02E8-098F-4C51-8B44-55B4DCBE8BAE}" dt="2023-09-21T13:32:35.318" v="2162" actId="20577"/>
           <ac:spMkLst>
             <pc:docMk/>
             <pc:sldMk cId="2362907162" sldId="341"/>
             <ac:spMk id="8" creationId="{D0152700-5D44-86E0-ADB9-0C5431CCF8C3}"/>
           </ac:spMkLst>
         </pc:spChg>
-        <pc:spChg chg="mod">
-          <ac:chgData name="Vijay Kumar" userId="04090c84-9707-4e6a-b6ce-3e5903922e7e" providerId="ADAL" clId="{0C6A02E8-098F-4C51-8B44-55B4DCBE8BAE}" dt="2023-09-19T07:15:43.070" v="12" actId="20577"/>
+        <pc:spChg chg="mod ord">
+          <ac:chgData name="Vijay Kumar" userId="04090c84-9707-4e6a-b6ce-3e5903922e7e" providerId="ADAL" clId="{0C6A02E8-098F-4C51-8B44-55B4DCBE8BAE}" dt="2023-09-22T06:25:06.979" v="2474" actId="115"/>
           <ac:spMkLst>
             <pc:docMk/>
             <pc:sldMk cId="2362907162" sldId="341"/>
             <ac:spMk id="10" creationId="{41F7B616-C5C0-9BCF-770F-0C73E55BE679}"/>
           </ac:spMkLst>
         </pc:spChg>
+        <pc:spChg chg="add del mod">
+          <ac:chgData name="Vijay Kumar" userId="04090c84-9707-4e6a-b6ce-3e5903922e7e" providerId="ADAL" clId="{0C6A02E8-098F-4C51-8B44-55B4DCBE8BAE}" dt="2023-09-20T13:16:30.364" v="210" actId="931"/>
+          <ac:spMkLst>
+            <pc:docMk/>
+            <pc:sldMk cId="2362907162" sldId="341"/>
+            <ac:spMk id="15" creationId="{685DFDD1-4694-4FA7-4FC7-0815FC41EC48}"/>
+          </ac:spMkLst>
+        </pc:spChg>
+        <pc:spChg chg="add mod">
+          <ac:chgData name="Vijay Kumar" userId="04090c84-9707-4e6a-b6ce-3e5903922e7e" providerId="ADAL" clId="{0C6A02E8-098F-4C51-8B44-55B4DCBE8BAE}" dt="2023-09-25T13:00:36.160" v="2513" actId="1035"/>
+          <ac:spMkLst>
+            <pc:docMk/>
+            <pc:sldMk cId="2362907162" sldId="341"/>
+            <ac:spMk id="20" creationId="{6378B3AB-03FB-A5EC-C588-333DBD923009}"/>
+          </ac:spMkLst>
+        </pc:spChg>
+        <pc:picChg chg="add del mod">
+          <ac:chgData name="Vijay Kumar" userId="04090c84-9707-4e6a-b6ce-3e5903922e7e" providerId="ADAL" clId="{0C6A02E8-098F-4C51-8B44-55B4DCBE8BAE}" dt="2023-09-20T13:11:23.906" v="112" actId="931"/>
+          <ac:picMkLst>
+            <pc:docMk/>
+            <pc:sldMk cId="2362907162" sldId="341"/>
+            <ac:picMk id="3" creationId="{4558ECEF-CC5E-6E21-B52E-FBBA37177DB9}"/>
+          </ac:picMkLst>
+        </pc:picChg>
         <pc:picChg chg="add del mod">
           <ac:chgData name="Vijay Kumar" userId="04090c84-9707-4e6a-b6ce-3e5903922e7e" providerId="ADAL" clId="{0C6A02E8-098F-4C51-8B44-55B4DCBE8BAE}" dt="2023-09-19T10:15:39.281" v="55" actId="931"/>
           <ac:picMkLst>
@@ -213,6 +265,359 @@
             <ac:picMk id="3" creationId="{F9A36243-0DF9-E5CE-0706-0321D760D86A}"/>
           </ac:picMkLst>
         </pc:picChg>
+        <pc:picChg chg="add del mod">
+          <ac:chgData name="Vijay Kumar" userId="04090c84-9707-4e6a-b6ce-3e5903922e7e" providerId="ADAL" clId="{0C6A02E8-098F-4C51-8B44-55B4DCBE8BAE}" dt="2023-09-20T13:11:19.368" v="102" actId="931"/>
+          <ac:picMkLst>
+            <pc:docMk/>
+            <pc:sldMk cId="2362907162" sldId="341"/>
+            <ac:picMk id="11" creationId="{74D66B6F-4B52-51E6-1091-7B94BB2EBAEC}"/>
+          </ac:picMkLst>
+        </pc:picChg>
+        <pc:picChg chg="add del mod">
+          <ac:chgData name="Vijay Kumar" userId="04090c84-9707-4e6a-b6ce-3e5903922e7e" providerId="ADAL" clId="{0C6A02E8-098F-4C51-8B44-55B4DCBE8BAE}" dt="2023-09-20T13:16:24.336" v="209" actId="478"/>
+          <ac:picMkLst>
+            <pc:docMk/>
+            <pc:sldMk cId="2362907162" sldId="341"/>
+            <ac:picMk id="13" creationId="{4D7C4D47-D52D-A899-4393-FF1E6D738745}"/>
+          </ac:picMkLst>
+        </pc:picChg>
+        <pc:picChg chg="add del mod ord">
+          <ac:chgData name="Vijay Kumar" userId="04090c84-9707-4e6a-b6ce-3e5903922e7e" providerId="ADAL" clId="{0C6A02E8-098F-4C51-8B44-55B4DCBE8BAE}" dt="2023-09-20T13:18:12.801" v="254" actId="478"/>
+          <ac:picMkLst>
+            <pc:docMk/>
+            <pc:sldMk cId="2362907162" sldId="341"/>
+            <ac:picMk id="17" creationId="{B3768BDA-8BF0-0880-8126-C088DF8DBEB3}"/>
+          </ac:picMkLst>
+        </pc:picChg>
+        <pc:picChg chg="add mod">
+          <ac:chgData name="Vijay Kumar" userId="04090c84-9707-4e6a-b6ce-3e5903922e7e" providerId="ADAL" clId="{0C6A02E8-098F-4C51-8B44-55B4DCBE8BAE}" dt="2023-09-22T06:25:09.528" v="2475" actId="1076"/>
+          <ac:picMkLst>
+            <pc:docMk/>
+            <pc:sldMk cId="2362907162" sldId="341"/>
+            <ac:picMk id="19" creationId="{FB554428-F8A2-FB37-1B58-9655C17E8E6C}"/>
+          </ac:picMkLst>
+        </pc:picChg>
+        <pc:picChg chg="add del mod">
+          <ac:chgData name="Vijay Kumar" userId="04090c84-9707-4e6a-b6ce-3e5903922e7e" providerId="ADAL" clId="{0C6A02E8-098F-4C51-8B44-55B4DCBE8BAE}" dt="2023-09-20T13:40:03.932" v="835" actId="478"/>
+          <ac:picMkLst>
+            <pc:docMk/>
+            <pc:sldMk cId="2362907162" sldId="341"/>
+            <ac:picMk id="22" creationId="{1E058858-DE72-828B-57AD-027FEBDEEC24}"/>
+          </ac:picMkLst>
+        </pc:picChg>
+      </pc:sldChg>
+      <pc:sldChg chg="addSp delSp modSp mod">
+        <pc:chgData name="Vijay Kumar" userId="04090c84-9707-4e6a-b6ce-3e5903922e7e" providerId="ADAL" clId="{0C6A02E8-098F-4C51-8B44-55B4DCBE8BAE}" dt="2023-09-21T13:34:51.785" v="2219" actId="20577"/>
+        <pc:sldMkLst>
+          <pc:docMk/>
+          <pc:sldMk cId="454186548" sldId="346"/>
+        </pc:sldMkLst>
+        <pc:spChg chg="add del mod">
+          <ac:chgData name="Vijay Kumar" userId="04090c84-9707-4e6a-b6ce-3e5903922e7e" providerId="ADAL" clId="{0C6A02E8-098F-4C51-8B44-55B4DCBE8BAE}" dt="2023-09-21T13:34:02.350" v="2212" actId="478"/>
+          <ac:spMkLst>
+            <pc:docMk/>
+            <pc:sldMk cId="454186548" sldId="346"/>
+            <ac:spMk id="2" creationId="{79BA10BD-B63C-81EA-81B4-5999E1F680B3}"/>
+          </ac:spMkLst>
+        </pc:spChg>
+        <pc:spChg chg="add del mod">
+          <ac:chgData name="Vijay Kumar" userId="04090c84-9707-4e6a-b6ce-3e5903922e7e" providerId="ADAL" clId="{0C6A02E8-098F-4C51-8B44-55B4DCBE8BAE}" dt="2023-09-20T13:41:13.848" v="887" actId="767"/>
+          <ac:spMkLst>
+            <pc:docMk/>
+            <pc:sldMk cId="454186548" sldId="346"/>
+            <ac:spMk id="2" creationId="{908F6A80-B0A3-2406-C1AB-4D1DE55FAA33}"/>
+          </ac:spMkLst>
+        </pc:spChg>
+        <pc:spChg chg="add mod">
+          <ac:chgData name="Vijay Kumar" userId="04090c84-9707-4e6a-b6ce-3e5903922e7e" providerId="ADAL" clId="{0C6A02E8-098F-4C51-8B44-55B4DCBE8BAE}" dt="2023-09-21T12:40:19.406" v="1506" actId="207"/>
+          <ac:spMkLst>
+            <pc:docMk/>
+            <pc:sldMk cId="454186548" sldId="346"/>
+            <ac:spMk id="3" creationId="{1CE5703C-5A4D-64F2-F64E-E0CD0BD516CB}"/>
+          </ac:spMkLst>
+        </pc:spChg>
+        <pc:spChg chg="add mod">
+          <ac:chgData name="Vijay Kumar" userId="04090c84-9707-4e6a-b6ce-3e5903922e7e" providerId="ADAL" clId="{0C6A02E8-098F-4C51-8B44-55B4DCBE8BAE}" dt="2023-09-21T13:33:24.963" v="2193" actId="1035"/>
+          <ac:spMkLst>
+            <pc:docMk/>
+            <pc:sldMk cId="454186548" sldId="346"/>
+            <ac:spMk id="4" creationId="{3E4EC1F6-DBE8-3BF1-76EC-278791B0F541}"/>
+          </ac:spMkLst>
+        </pc:spChg>
+        <pc:spChg chg="add mod">
+          <ac:chgData name="Vijay Kumar" userId="04090c84-9707-4e6a-b6ce-3e5903922e7e" providerId="ADAL" clId="{0C6A02E8-098F-4C51-8B44-55B4DCBE8BAE}" dt="2023-09-21T13:34:51.785" v="2219" actId="20577"/>
+          <ac:spMkLst>
+            <pc:docMk/>
+            <pc:sldMk cId="454186548" sldId="346"/>
+            <ac:spMk id="5" creationId="{C816370F-F0F7-EAB2-B91E-76D2B11725EA}"/>
+          </ac:spMkLst>
+        </pc:spChg>
+      </pc:sldChg>
+      <pc:sldChg chg="addSp delSp modSp new mod ord">
+        <pc:chgData name="Vijay Kumar" userId="04090c84-9707-4e6a-b6ce-3e5903922e7e" providerId="ADAL" clId="{0C6A02E8-098F-4C51-8B44-55B4DCBE8BAE}" dt="2023-09-21T13:33:17.546" v="2183" actId="14100"/>
+        <pc:sldMkLst>
+          <pc:docMk/>
+          <pc:sldMk cId="3177701440" sldId="347"/>
+        </pc:sldMkLst>
+        <pc:spChg chg="del mod">
+          <ac:chgData name="Vijay Kumar" userId="04090c84-9707-4e6a-b6ce-3e5903922e7e" providerId="ADAL" clId="{0C6A02E8-098F-4C51-8B44-55B4DCBE8BAE}" dt="2023-09-21T11:37:01.910" v="1070" actId="478"/>
+          <ac:spMkLst>
+            <pc:docMk/>
+            <pc:sldMk cId="3177701440" sldId="347"/>
+            <ac:spMk id="2" creationId="{1FA6519B-C6CB-95EF-2C71-AEEB9DBEEC5C}"/>
+          </ac:spMkLst>
+        </pc:spChg>
+        <pc:spChg chg="add del mod">
+          <ac:chgData name="Vijay Kumar" userId="04090c84-9707-4e6a-b6ce-3e5903922e7e" providerId="ADAL" clId="{0C6A02E8-098F-4C51-8B44-55B4DCBE8BAE}" dt="2023-09-21T12:43:29.618" v="1531" actId="478"/>
+          <ac:spMkLst>
+            <pc:docMk/>
+            <pc:sldMk cId="3177701440" sldId="347"/>
+            <ac:spMk id="3" creationId="{05968AD3-C4AE-339C-F0C6-B23C3F7FCC9A}"/>
+          </ac:spMkLst>
+        </pc:spChg>
+        <pc:spChg chg="add mod">
+          <ac:chgData name="Vijay Kumar" userId="04090c84-9707-4e6a-b6ce-3e5903922e7e" providerId="ADAL" clId="{0C6A02E8-098F-4C51-8B44-55B4DCBE8BAE}" dt="2023-09-21T12:44:18.862" v="1543" actId="207"/>
+          <ac:spMkLst>
+            <pc:docMk/>
+            <pc:sldMk cId="3177701440" sldId="347"/>
+            <ac:spMk id="4" creationId="{D53DCDDF-D534-6269-C298-3B3C40337EBE}"/>
+          </ac:spMkLst>
+        </pc:spChg>
+        <pc:spChg chg="add del mod">
+          <ac:chgData name="Vijay Kumar" userId="04090c84-9707-4e6a-b6ce-3e5903922e7e" providerId="ADAL" clId="{0C6A02E8-098F-4C51-8B44-55B4DCBE8BAE}" dt="2023-09-21T12:41:28.264" v="1511" actId="22"/>
+          <ac:spMkLst>
+            <pc:docMk/>
+            <pc:sldMk cId="3177701440" sldId="347"/>
+            <ac:spMk id="6" creationId="{94CC86F9-2549-2B9B-2B85-F3B4F377DFCB}"/>
+          </ac:spMkLst>
+        </pc:spChg>
+        <pc:spChg chg="add mod">
+          <ac:chgData name="Vijay Kumar" userId="04090c84-9707-4e6a-b6ce-3e5903922e7e" providerId="ADAL" clId="{0C6A02E8-098F-4C51-8B44-55B4DCBE8BAE}" dt="2023-09-21T13:33:17.546" v="2183" actId="14100"/>
+          <ac:spMkLst>
+            <pc:docMk/>
+            <pc:sldMk cId="3177701440" sldId="347"/>
+            <ac:spMk id="7" creationId="{EFF6D23D-987B-211F-F4FC-02387328A201}"/>
+          </ac:spMkLst>
+        </pc:spChg>
+      </pc:sldChg>
+      <pc:sldChg chg="addSp delSp modSp new mod">
+        <pc:chgData name="Vijay Kumar" userId="04090c84-9707-4e6a-b6ce-3e5903922e7e" providerId="ADAL" clId="{0C6A02E8-098F-4C51-8B44-55B4DCBE8BAE}" dt="2023-09-21T13:01:54.547" v="1689" actId="14100"/>
+        <pc:sldMkLst>
+          <pc:docMk/>
+          <pc:sldMk cId="3753311965" sldId="348"/>
+        </pc:sldMkLst>
+        <pc:spChg chg="del">
+          <ac:chgData name="Vijay Kumar" userId="04090c84-9707-4e6a-b6ce-3e5903922e7e" providerId="ADAL" clId="{0C6A02E8-098F-4C51-8B44-55B4DCBE8BAE}" dt="2023-09-21T12:38:46.039" v="1486" actId="478"/>
+          <ac:spMkLst>
+            <pc:docMk/>
+            <pc:sldMk cId="3753311965" sldId="348"/>
+            <ac:spMk id="2" creationId="{660A2AB4-1BAD-252E-7A57-A1C1AA22E568}"/>
+          </ac:spMkLst>
+        </pc:spChg>
+        <pc:spChg chg="add del mod">
+          <ac:chgData name="Vijay Kumar" userId="04090c84-9707-4e6a-b6ce-3e5903922e7e" providerId="ADAL" clId="{0C6A02E8-098F-4C51-8B44-55B4DCBE8BAE}" dt="2023-09-21T12:42:32.095" v="1525" actId="478"/>
+          <ac:spMkLst>
+            <pc:docMk/>
+            <pc:sldMk cId="3753311965" sldId="348"/>
+            <ac:spMk id="3" creationId="{63E41234-9081-A446-623D-88F3161DC1C6}"/>
+          </ac:spMkLst>
+        </pc:spChg>
+        <pc:spChg chg="add mod">
+          <ac:chgData name="Vijay Kumar" userId="04090c84-9707-4e6a-b6ce-3e5903922e7e" providerId="ADAL" clId="{0C6A02E8-098F-4C51-8B44-55B4DCBE8BAE}" dt="2023-09-21T12:40:24.623" v="1507" actId="207"/>
+          <ac:spMkLst>
+            <pc:docMk/>
+            <pc:sldMk cId="3753311965" sldId="348"/>
+            <ac:spMk id="4" creationId="{A053F0B5-2693-2340-8A7E-50E69F412EFC}"/>
+          </ac:spMkLst>
+        </pc:spChg>
+        <pc:spChg chg="add mod">
+          <ac:chgData name="Vijay Kumar" userId="04090c84-9707-4e6a-b6ce-3e5903922e7e" providerId="ADAL" clId="{0C6A02E8-098F-4C51-8B44-55B4DCBE8BAE}" dt="2023-09-21T13:01:54.547" v="1689" actId="14100"/>
+          <ac:spMkLst>
+            <pc:docMk/>
+            <pc:sldMk cId="3753311965" sldId="348"/>
+            <ac:spMk id="5" creationId="{D16E2545-CD3F-4C07-9527-3C3F4C7A71EF}"/>
+          </ac:spMkLst>
+        </pc:spChg>
+        <pc:spChg chg="add mod">
+          <ac:chgData name="Vijay Kumar" userId="04090c84-9707-4e6a-b6ce-3e5903922e7e" providerId="ADAL" clId="{0C6A02E8-098F-4C51-8B44-55B4DCBE8BAE}" dt="2023-09-21T12:54:29.690" v="1591" actId="14100"/>
+          <ac:spMkLst>
+            <pc:docMk/>
+            <pc:sldMk cId="3753311965" sldId="348"/>
+            <ac:spMk id="6" creationId="{42876610-55B1-4413-B655-8685B30C4F86}"/>
+          </ac:spMkLst>
+        </pc:spChg>
+      </pc:sldChg>
+      <pc:sldChg chg="addSp delSp modSp new mod">
+        <pc:chgData name="Vijay Kumar" userId="04090c84-9707-4e6a-b6ce-3e5903922e7e" providerId="ADAL" clId="{0C6A02E8-098F-4C51-8B44-55B4DCBE8BAE}" dt="2023-09-21T13:33:04.318" v="2163" actId="20577"/>
+        <pc:sldMkLst>
+          <pc:docMk/>
+          <pc:sldMk cId="1253264054" sldId="349"/>
+        </pc:sldMkLst>
+        <pc:spChg chg="del">
+          <ac:chgData name="Vijay Kumar" userId="04090c84-9707-4e6a-b6ce-3e5903922e7e" providerId="ADAL" clId="{0C6A02E8-098F-4C51-8B44-55B4DCBE8BAE}" dt="2023-09-21T12:58:08.996" v="1664" actId="478"/>
+          <ac:spMkLst>
+            <pc:docMk/>
+            <pc:sldMk cId="1253264054" sldId="349"/>
+            <ac:spMk id="2" creationId="{AE9FFD15-ED91-1E73-B5D3-F2E1E6FBC917}"/>
+          </ac:spMkLst>
+        </pc:spChg>
+        <pc:spChg chg="add mod">
+          <ac:chgData name="Vijay Kumar" userId="04090c84-9707-4e6a-b6ce-3e5903922e7e" providerId="ADAL" clId="{0C6A02E8-098F-4C51-8B44-55B4DCBE8BAE}" dt="2023-09-21T13:33:04.318" v="2163" actId="20577"/>
+          <ac:spMkLst>
+            <pc:docMk/>
+            <pc:sldMk cId="1253264054" sldId="349"/>
+            <ac:spMk id="3" creationId="{128C6FEE-2B94-EC0B-7E17-641F059ED098}"/>
+          </ac:spMkLst>
+        </pc:spChg>
+        <pc:spChg chg="add mod">
+          <ac:chgData name="Vijay Kumar" userId="04090c84-9707-4e6a-b6ce-3e5903922e7e" providerId="ADAL" clId="{0C6A02E8-098F-4C51-8B44-55B4DCBE8BAE}" dt="2023-09-21T13:01:47.716" v="1688" actId="14100"/>
+          <ac:spMkLst>
+            <pc:docMk/>
+            <pc:sldMk cId="1253264054" sldId="349"/>
+            <ac:spMk id="4" creationId="{3E42B7AC-9637-1F47-EF6E-286C40259B33}"/>
+          </ac:spMkLst>
+        </pc:spChg>
+        <pc:spChg chg="add del mod">
+          <ac:chgData name="Vijay Kumar" userId="04090c84-9707-4e6a-b6ce-3e5903922e7e" providerId="ADAL" clId="{0C6A02E8-098F-4C51-8B44-55B4DCBE8BAE}" dt="2023-09-21T13:03:03.491" v="1691" actId="478"/>
+          <ac:spMkLst>
+            <pc:docMk/>
+            <pc:sldMk cId="1253264054" sldId="349"/>
+            <ac:spMk id="5" creationId="{569B7FF3-9A57-2462-ED66-379F8639A644}"/>
+          </ac:spMkLst>
+        </pc:spChg>
+        <pc:spChg chg="add mod">
+          <ac:chgData name="Vijay Kumar" userId="04090c84-9707-4e6a-b6ce-3e5903922e7e" providerId="ADAL" clId="{0C6A02E8-098F-4C51-8B44-55B4DCBE8BAE}" dt="2023-09-21T13:06:08.652" v="1856" actId="1035"/>
+          <ac:spMkLst>
+            <pc:docMk/>
+            <pc:sldMk cId="1253264054" sldId="349"/>
+            <ac:spMk id="6" creationId="{692D2613-C131-1783-7D6E-EF91B1BC5163}"/>
+          </ac:spMkLst>
+        </pc:spChg>
+      </pc:sldChg>
+      <pc:sldChg chg="addSp delSp modSp new mod">
+        <pc:chgData name="Vijay Kumar" userId="04090c84-9707-4e6a-b6ce-3e5903922e7e" providerId="ADAL" clId="{0C6A02E8-098F-4C51-8B44-55B4DCBE8BAE}" dt="2023-09-21T13:35:33.094" v="2255" actId="1038"/>
+        <pc:sldMkLst>
+          <pc:docMk/>
+          <pc:sldMk cId="597026089" sldId="350"/>
+        </pc:sldMkLst>
+        <pc:spChg chg="del">
+          <ac:chgData name="Vijay Kumar" userId="04090c84-9707-4e6a-b6ce-3e5903922e7e" providerId="ADAL" clId="{0C6A02E8-098F-4C51-8B44-55B4DCBE8BAE}" dt="2023-09-21T13:07:12.279" v="1871" actId="478"/>
+          <ac:spMkLst>
+            <pc:docMk/>
+            <pc:sldMk cId="597026089" sldId="350"/>
+            <ac:spMk id="2" creationId="{56C84B55-3C8E-D411-1998-70F4C1DFFE72}"/>
+          </ac:spMkLst>
+        </pc:spChg>
+        <pc:spChg chg="add mod">
+          <ac:chgData name="Vijay Kumar" userId="04090c84-9707-4e6a-b6ce-3e5903922e7e" providerId="ADAL" clId="{0C6A02E8-098F-4C51-8B44-55B4DCBE8BAE}" dt="2023-09-21T13:20:34.499" v="2062" actId="20577"/>
+          <ac:spMkLst>
+            <pc:docMk/>
+            <pc:sldMk cId="597026089" sldId="350"/>
+            <ac:spMk id="3" creationId="{8B8A8B84-59BF-0045-257A-DA6CB1137215}"/>
+          </ac:spMkLst>
+        </pc:spChg>
+        <pc:spChg chg="add del mod">
+          <ac:chgData name="Vijay Kumar" userId="04090c84-9707-4e6a-b6ce-3e5903922e7e" providerId="ADAL" clId="{0C6A02E8-098F-4C51-8B44-55B4DCBE8BAE}" dt="2023-09-21T13:35:23.885" v="2221" actId="478"/>
+          <ac:spMkLst>
+            <pc:docMk/>
+            <pc:sldMk cId="597026089" sldId="350"/>
+            <ac:spMk id="4" creationId="{8C9A4989-DC0D-9519-74AA-9E15CD506A14}"/>
+          </ac:spMkLst>
+        </pc:spChg>
+        <pc:spChg chg="add mod">
+          <ac:chgData name="Vijay Kumar" userId="04090c84-9707-4e6a-b6ce-3e5903922e7e" providerId="ADAL" clId="{0C6A02E8-098F-4C51-8B44-55B4DCBE8BAE}" dt="2023-09-21T13:35:33.094" v="2255" actId="1038"/>
+          <ac:spMkLst>
+            <pc:docMk/>
+            <pc:sldMk cId="597026089" sldId="350"/>
+            <ac:spMk id="5" creationId="{13D776AB-6B3A-10D3-E2BB-315F80BCEF35}"/>
+          </ac:spMkLst>
+        </pc:spChg>
+      </pc:sldChg>
+      <pc:sldChg chg="addSp delSp modSp new mod">
+        <pc:chgData name="Vijay Kumar" userId="04090c84-9707-4e6a-b6ce-3e5903922e7e" providerId="ADAL" clId="{0C6A02E8-098F-4C51-8B44-55B4DCBE8BAE}" dt="2023-09-22T07:37:07.718" v="2476" actId="14100"/>
+        <pc:sldMkLst>
+          <pc:docMk/>
+          <pc:sldMk cId="644429205" sldId="351"/>
+        </pc:sldMkLst>
+        <pc:spChg chg="del">
+          <ac:chgData name="Vijay Kumar" userId="04090c84-9707-4e6a-b6ce-3e5903922e7e" providerId="ADAL" clId="{0C6A02E8-098F-4C51-8B44-55B4DCBE8BAE}" dt="2023-09-21T13:07:04.468" v="1870" actId="478"/>
+          <ac:spMkLst>
+            <pc:docMk/>
+            <pc:sldMk cId="644429205" sldId="351"/>
+            <ac:spMk id="2" creationId="{EC0FA9B7-91AD-6555-71E9-4D34F3E0C0EC}"/>
+          </ac:spMkLst>
+        </pc:spChg>
+        <pc:spChg chg="add mod">
+          <ac:chgData name="Vijay Kumar" userId="04090c84-9707-4e6a-b6ce-3e5903922e7e" providerId="ADAL" clId="{0C6A02E8-098F-4C51-8B44-55B4DCBE8BAE}" dt="2023-09-21T13:07:44.756" v="1907" actId="20577"/>
+          <ac:spMkLst>
+            <pc:docMk/>
+            <pc:sldMk cId="644429205" sldId="351"/>
+            <ac:spMk id="3" creationId="{4712269E-C6BB-23CF-5893-D939043D9A62}"/>
+          </ac:spMkLst>
+        </pc:spChg>
+        <pc:spChg chg="add mod">
+          <ac:chgData name="Vijay Kumar" userId="04090c84-9707-4e6a-b6ce-3e5903922e7e" providerId="ADAL" clId="{0C6A02E8-098F-4C51-8B44-55B4DCBE8BAE}" dt="2023-09-21T13:14:48.288" v="1912"/>
+          <ac:spMkLst>
+            <pc:docMk/>
+            <pc:sldMk cId="644429205" sldId="351"/>
+            <ac:spMk id="4" creationId="{9B68D807-7205-4994-9242-215133B21C23}"/>
+          </ac:spMkLst>
+        </pc:spChg>
+        <pc:spChg chg="add del mod">
+          <ac:chgData name="Vijay Kumar" userId="04090c84-9707-4e6a-b6ce-3e5903922e7e" providerId="ADAL" clId="{0C6A02E8-098F-4C51-8B44-55B4DCBE8BAE}" dt="2023-09-21T13:14:43.920" v="1911" actId="478"/>
+          <ac:spMkLst>
+            <pc:docMk/>
+            <pc:sldMk cId="644429205" sldId="351"/>
+            <ac:spMk id="5" creationId="{DB25EA39-6A4C-1D1F-232C-724DC4A7173B}"/>
+          </ac:spMkLst>
+        </pc:spChg>
+        <pc:spChg chg="add mod">
+          <ac:chgData name="Vijay Kumar" userId="04090c84-9707-4e6a-b6ce-3e5903922e7e" providerId="ADAL" clId="{0C6A02E8-098F-4C51-8B44-55B4DCBE8BAE}" dt="2023-09-22T07:37:07.718" v="2476" actId="14100"/>
+          <ac:spMkLst>
+            <pc:docMk/>
+            <pc:sldMk cId="644429205" sldId="351"/>
+            <ac:spMk id="6" creationId="{16D7FEE6-3074-2AC0-CF2F-8C2B9F47426E}"/>
+          </ac:spMkLst>
+        </pc:spChg>
+      </pc:sldChg>
+      <pc:sldChg chg="addSp delSp modSp new mod">
+        <pc:chgData name="Vijay Kumar" userId="04090c84-9707-4e6a-b6ce-3e5903922e7e" providerId="ADAL" clId="{0C6A02E8-098F-4C51-8B44-55B4DCBE8BAE}" dt="2023-09-21T13:57:56.949" v="2472" actId="1076"/>
+        <pc:sldMkLst>
+          <pc:docMk/>
+          <pc:sldMk cId="1717001786" sldId="352"/>
+        </pc:sldMkLst>
+        <pc:spChg chg="del">
+          <ac:chgData name="Vijay Kumar" userId="04090c84-9707-4e6a-b6ce-3e5903922e7e" providerId="ADAL" clId="{0C6A02E8-098F-4C51-8B44-55B4DCBE8BAE}" dt="2023-09-21T13:54:20.901" v="2257" actId="478"/>
+          <ac:spMkLst>
+            <pc:docMk/>
+            <pc:sldMk cId="1717001786" sldId="352"/>
+            <ac:spMk id="2" creationId="{166EF86D-F8ED-6FC2-E6DC-BC8A333BA6FA}"/>
+          </ac:spMkLst>
+        </pc:spChg>
+        <pc:spChg chg="add mod">
+          <ac:chgData name="Vijay Kumar" userId="04090c84-9707-4e6a-b6ce-3e5903922e7e" providerId="ADAL" clId="{0C6A02E8-098F-4C51-8B44-55B4DCBE8BAE}" dt="2023-09-21T13:55:19.393" v="2334" actId="14100"/>
+          <ac:spMkLst>
+            <pc:docMk/>
+            <pc:sldMk cId="1717001786" sldId="352"/>
+            <ac:spMk id="3" creationId="{A760FD77-71B8-B135-D8AC-465AEEE0B57A}"/>
+          </ac:spMkLst>
+        </pc:spChg>
+        <pc:spChg chg="add mod">
+          <ac:chgData name="Vijay Kumar" userId="04090c84-9707-4e6a-b6ce-3e5903922e7e" providerId="ADAL" clId="{0C6A02E8-098F-4C51-8B44-55B4DCBE8BAE}" dt="2023-09-21T13:57:51.692" v="2471" actId="20577"/>
+          <ac:spMkLst>
+            <pc:docMk/>
+            <pc:sldMk cId="1717001786" sldId="352"/>
+            <ac:spMk id="4" creationId="{3E8E2578-3805-27CC-0339-01EFD82771DC}"/>
+          </ac:spMkLst>
+        </pc:spChg>
+        <pc:spChg chg="add mod">
+          <ac:chgData name="Vijay Kumar" userId="04090c84-9707-4e6a-b6ce-3e5903922e7e" providerId="ADAL" clId="{0C6A02E8-098F-4C51-8B44-55B4DCBE8BAE}" dt="2023-09-21T13:57:56.949" v="2472" actId="1076"/>
+          <ac:spMkLst>
+            <pc:docMk/>
+            <pc:sldMk cId="1717001786" sldId="352"/>
+            <ac:spMk id="5" creationId="{7A041625-9893-9FC6-84A7-A19B261D883D}"/>
+          </ac:spMkLst>
+        </pc:spChg>
       </pc:sldChg>
     </pc:docChg>
   </pc:docChgLst>
@@ -301,7 +706,7 @@
           <a:p>
             <a:fld id="{3F31CD09-1142-46F9-B225-0DD35AA92E44}" type="datetimeFigureOut">
               <a:rPr lang="en-US" smtClean="0"/>
-              <a:t>9/19/2023</a:t>
+              <a:t>9/25/2023</a:t>
             </a:fld>
             <a:endParaRPr lang="en-US"/>
           </a:p>
@@ -612,7 +1017,7 @@
           <a:bodyPr/>
           <a:lstStyle/>
           <a:p>
-            <a:endParaRPr lang="en-IN"/>
+            <a:endParaRPr lang="en-US" dirty="0"/>
           </a:p>
         </p:txBody>
       </p:sp>
@@ -631,9 +1036,93 @@
           <a:bodyPr/>
           <a:lstStyle/>
           <a:p>
+            <a:fld id="{B8FECCE0-0F53-4CF7-877F-130B4D79235D}" type="slidenum">
+              <a:rPr lang="en-US" smtClean="0"/>
+              <a:t>1</a:t>
+            </a:fld>
+            <a:endParaRPr lang="en-US"/>
+          </a:p>
+        </p:txBody>
+      </p:sp>
+    </p:spTree>
+    <p:extLst>
+      <p:ext uri="{BB962C8B-B14F-4D97-AF65-F5344CB8AC3E}">
+        <p14:creationId xmlns:p14="http://schemas.microsoft.com/office/powerpoint/2010/main" val="3729959068"/>
+      </p:ext>
+    </p:extLst>
+  </p:cSld>
+  <p:clrMapOvr>
+    <a:masterClrMapping/>
+  </p:clrMapOvr>
+</p:notes>
+</file>
+
+<file path=ppt/notesSlides/notesSlide2.xml><?xml version="1.0" encoding="utf-8"?>
+<p:notes xmlns:a="http://schemas.openxmlformats.org/drawingml/2006/main" xmlns:r="http://schemas.openxmlformats.org/officeDocument/2006/relationships" xmlns:p="http://schemas.openxmlformats.org/presentationml/2006/main">
+  <p:cSld>
+    <p:spTree>
+      <p:nvGrpSpPr>
+        <p:cNvPr id="1" name=""/>
+        <p:cNvGrpSpPr/>
+        <p:nvPr/>
+      </p:nvGrpSpPr>
+      <p:grpSpPr>
+        <a:xfrm>
+          <a:off x="0" y="0"/>
+          <a:ext cx="0" cy="0"/>
+          <a:chOff x="0" y="0"/>
+          <a:chExt cx="0" cy="0"/>
+        </a:xfrm>
+      </p:grpSpPr>
+      <p:sp>
+        <p:nvSpPr>
+          <p:cNvPr id="2" name="Slide Image Placeholder 1"/>
+          <p:cNvSpPr>
+            <a:spLocks noGrp="1" noRot="1" noChangeAspect="1"/>
+          </p:cNvSpPr>
+          <p:nvPr>
+            <p:ph type="sldImg"/>
+          </p:nvPr>
+        </p:nvSpPr>
+        <p:spPr/>
+      </p:sp>
+      <p:sp>
+        <p:nvSpPr>
+          <p:cNvPr id="3" name="Notes Placeholder 2"/>
+          <p:cNvSpPr>
+            <a:spLocks noGrp="1"/>
+          </p:cNvSpPr>
+          <p:nvPr>
+            <p:ph type="body" idx="1"/>
+          </p:nvPr>
+        </p:nvSpPr>
+        <p:spPr/>
+        <p:txBody>
+          <a:bodyPr/>
+          <a:lstStyle/>
+          <a:p>
+            <a:endParaRPr lang="en-IN"/>
+          </a:p>
+        </p:txBody>
+      </p:sp>
+      <p:sp>
+        <p:nvSpPr>
+          <p:cNvPr id="4" name="Slide Number Placeholder 3"/>
+          <p:cNvSpPr>
+            <a:spLocks noGrp="1"/>
+          </p:cNvSpPr>
+          <p:nvPr>
+            <p:ph type="sldNum" sz="quarter" idx="5"/>
+          </p:nvPr>
+        </p:nvSpPr>
+        <p:spPr/>
+        <p:txBody>
+          <a:bodyPr/>
+          <a:lstStyle/>
+          <a:p>
             <a:fld id="{66633442-306E-5646-AE89-0F5CAB638E37}" type="slidenum">
               <a:rPr lang="en-US" smtClean="0"/>
-              <a:t>3</a:t>
+              <a:t>9</a:t>
             </a:fld>
             <a:endParaRPr lang="en-US"/>
           </a:p>
@@ -16013,7 +16502,7 @@
     <p:sldLayoutId id="2147483655" r:id="rId16"/>
     <p:sldLayoutId id="2147483712" r:id="rId17"/>
   </p:sldLayoutIdLst>
-  <p:hf hdr="0" ftr="0" dt="0"/>
+  <p:hf sldNum="0" hdr="0" ftr="0" dt="0"/>
   <p:txStyles>
     <p:titleStyle>
       <a:lvl1pPr algn="l" defTabSz="914413" rtl="0" eaLnBrk="1" latinLnBrk="0" hangingPunct="1">
@@ -16387,10 +16876,10 @@
       </p:grpSpPr>
       <p:sp>
         <p:nvSpPr>
-          <p:cNvPr id="6" name="Picture Placeholder 5">
+          <p:cNvPr id="10" name="Title 9">
             <a:extLst>
               <a:ext uri="{FF2B5EF4-FFF2-40B4-BE49-F238E27FC236}">
-                <a16:creationId xmlns:a16="http://schemas.microsoft.com/office/drawing/2014/main" id="{E047B097-32A7-E8FC-FDBD-E728F23E505F}"/>
+                <a16:creationId xmlns:a16="http://schemas.microsoft.com/office/drawing/2014/main" id="{41F7B616-C5C0-9BCF-770F-0C73E55BE679}"/>
               </a:ext>
             </a:extLst>
           </p:cNvPr>
@@ -16398,15 +16887,27 @@
             <a:spLocks noGrp="1"/>
           </p:cNvSpPr>
           <p:nvPr>
-            <p:ph type="pic" sz="quarter" idx="10"/>
+            <p:ph type="title"/>
           </p:nvPr>
         </p:nvSpPr>
-        <p:spPr/>
+        <p:spPr>
+          <a:xfrm>
+            <a:off x="6473070" y="197291"/>
+            <a:ext cx="5491918" cy="724080"/>
+          </a:xfrm>
+        </p:spPr>
         <p:txBody>
           <a:bodyPr/>
           <a:lstStyle/>
           <a:p>
-            <a:endParaRPr lang="en-US" dirty="0"/>
+            <a:r>
+              <a:rPr lang="en-US" sz="4000" dirty="0">
+                <a:solidFill>
+                  <a:schemeClr val="accent2"/>
+                </a:solidFill>
+              </a:rPr>
+              <a:t>Agenda</a:t>
+            </a:r>
           </a:p>
         </p:txBody>
       </p:sp>
@@ -16423,53 +16924,217 @@
             <a:spLocks noGrp="1"/>
           </p:cNvSpPr>
           <p:nvPr>
-            <p:ph type="body" idx="1"/>
+            <p:ph idx="1"/>
           </p:nvPr>
         </p:nvSpPr>
-        <p:spPr/>
+        <p:spPr>
+          <a:xfrm>
+            <a:off x="6473070" y="1118660"/>
+            <a:ext cx="5217184" cy="3626227"/>
+          </a:xfrm>
+        </p:spPr>
         <p:txBody>
-          <a:bodyPr/>
+          <a:bodyPr>
+            <a:normAutofit lnSpcReduction="10000"/>
+          </a:bodyPr>
           <a:lstStyle/>
           <a:p>
+            <a:pPr>
+              <a:lnSpc>
+                <a:spcPct val="150000"/>
+              </a:lnSpc>
+            </a:pPr>
             <a:r>
-              <a:rPr lang="en-US" b="1" dirty="0"/>
-              <a:t>By Vijay Kumar </a:t>
+              <a:rPr lang="en-US" b="1" dirty="0">
+                <a:latin typeface="Segoe UI" panose="020B0502040204020203" pitchFamily="34" charset="0"/>
+                <a:cs typeface="Segoe UI" panose="020B0502040204020203" pitchFamily="34" charset="0"/>
+              </a:rPr>
+              <a:t>What is Accessibility?</a:t>
             </a:r>
+          </a:p>
+          <a:p>
+            <a:pPr>
+              <a:lnSpc>
+                <a:spcPct val="150000"/>
+              </a:lnSpc>
+            </a:pPr>
             <a:r>
-              <a:rPr lang="en-US" dirty="0"/>
-              <a:t>: </a:t>
+              <a:rPr lang="en-US" b="1" dirty="0">
+                <a:latin typeface="Segoe UI" panose="020B0502040204020203" pitchFamily="34" charset="0"/>
+                <a:cs typeface="Segoe UI" panose="020B0502040204020203" pitchFamily="34" charset="0"/>
+              </a:rPr>
+              <a:t>Tools to validate accessibility?</a:t>
             </a:r>
+          </a:p>
+          <a:p>
+            <a:pPr>
+              <a:lnSpc>
+                <a:spcPct val="150000"/>
+              </a:lnSpc>
+            </a:pPr>
             <a:r>
-              <a:rPr lang="en-US" b="1" dirty="0"/>
-              <a:t>Senior Associate</a:t>
+              <a:rPr lang="en-US" b="1" dirty="0">
+                <a:latin typeface="Segoe UI" panose="020B0502040204020203" pitchFamily="34" charset="0"/>
+                <a:cs typeface="Segoe UI" panose="020B0502040204020203" pitchFamily="34" charset="0"/>
+              </a:rPr>
+              <a:t>Keyboard Navigation?</a:t>
             </a:r>
+          </a:p>
+          <a:p>
+            <a:pPr>
+              <a:lnSpc>
+                <a:spcPct val="150000"/>
+              </a:lnSpc>
+            </a:pPr>
+            <a:r>
+              <a:rPr lang="en-US" b="1" dirty="0">
+                <a:latin typeface="Segoe UI" panose="020B0502040204020203" pitchFamily="34" charset="0"/>
+                <a:cs typeface="Segoe UI" panose="020B0502040204020203" pitchFamily="34" charset="0"/>
+              </a:rPr>
+              <a:t>Colors &amp; Contrast?</a:t>
+            </a:r>
+          </a:p>
+          <a:p>
+            <a:pPr>
+              <a:lnSpc>
+                <a:spcPct val="150000"/>
+              </a:lnSpc>
+            </a:pPr>
+            <a:r>
+              <a:rPr lang="en-US" b="1" dirty="0">
+                <a:latin typeface="Segoe UI" panose="020B0502040204020203" pitchFamily="34" charset="0"/>
+                <a:cs typeface="Segoe UI" panose="020B0502040204020203" pitchFamily="34" charset="0"/>
+              </a:rPr>
+              <a:t>Page Structure?</a:t>
+            </a:r>
+          </a:p>
+          <a:p>
+            <a:pPr>
+              <a:lnSpc>
+                <a:spcPct val="150000"/>
+              </a:lnSpc>
+            </a:pPr>
+            <a:r>
+              <a:rPr lang="en-US" b="1" dirty="0">
+                <a:latin typeface="Segoe UI" panose="020B0502040204020203" pitchFamily="34" charset="0"/>
+                <a:cs typeface="Segoe UI" panose="020B0502040204020203" pitchFamily="34" charset="0"/>
+              </a:rPr>
+              <a:t>Some Common types of Accessibility Issue?</a:t>
+            </a:r>
+          </a:p>
+          <a:p>
+            <a:pPr>
+              <a:lnSpc>
+                <a:spcPct val="150000"/>
+              </a:lnSpc>
+            </a:pPr>
+            <a:r>
+              <a:rPr lang="en-US" b="1" dirty="0">
+                <a:latin typeface="Segoe UI" panose="020B0502040204020203" pitchFamily="34" charset="0"/>
+                <a:cs typeface="Segoe UI" panose="020B0502040204020203" pitchFamily="34" charset="0"/>
+              </a:rPr>
+              <a:t>Solution for Common Accessibility Issue?</a:t>
+            </a:r>
+          </a:p>
+          <a:p>
+            <a:pPr>
+              <a:lnSpc>
+                <a:spcPct val="150000"/>
+              </a:lnSpc>
+            </a:pPr>
+            <a:endParaRPr lang="en-US" b="1" dirty="0">
+              <a:latin typeface="Segoe UI" panose="020B0502040204020203" pitchFamily="34" charset="0"/>
+              <a:cs typeface="Segoe UI" panose="020B0502040204020203" pitchFamily="34" charset="0"/>
+            </a:endParaRPr>
+          </a:p>
+          <a:p>
+            <a:pPr>
+              <a:lnSpc>
+                <a:spcPct val="150000"/>
+              </a:lnSpc>
+            </a:pPr>
+            <a:endParaRPr lang="en-US" b="1" dirty="0">
+              <a:latin typeface="Segoe UI" panose="020B0502040204020203" pitchFamily="34" charset="0"/>
+              <a:cs typeface="Segoe UI" panose="020B0502040204020203" pitchFamily="34" charset="0"/>
+            </a:endParaRPr>
           </a:p>
         </p:txBody>
       </p:sp>
-      <p:sp>
-        <p:nvSpPr>
-          <p:cNvPr id="10" name="Title 9">
+      <p:pic>
+        <p:nvPicPr>
+          <p:cNvPr id="19" name="Picture 18" descr="A computer screen with icons and words&#10;&#10;Description automatically generated">
             <a:extLst>
               <a:ext uri="{FF2B5EF4-FFF2-40B4-BE49-F238E27FC236}">
-                <a16:creationId xmlns:a16="http://schemas.microsoft.com/office/drawing/2014/main" id="{41F7B616-C5C0-9BCF-770F-0C73E55BE679}"/>
+                <a16:creationId xmlns:a16="http://schemas.microsoft.com/office/drawing/2014/main" id="{FB554428-F8A2-FB37-1B58-9655C17E8E6C}"/>
               </a:ext>
             </a:extLst>
           </p:cNvPr>
-          <p:cNvSpPr>
-            <a:spLocks noGrp="1"/>
-          </p:cNvSpPr>
-          <p:nvPr>
-            <p:ph type="title"/>
-          </p:nvPr>
+          <p:cNvPicPr>
+            <a:picLocks noChangeAspect="1"/>
+          </p:cNvPicPr>
+          <p:nvPr/>
+        </p:nvPicPr>
+        <p:blipFill>
+          <a:blip r:embed="rId3">
+            <a:extLst>
+              <a:ext uri="{28A0092B-C50C-407E-A947-70E740481C1C}">
+                <a14:useLocalDpi xmlns:a14="http://schemas.microsoft.com/office/drawing/2010/main" val="0"/>
+              </a:ext>
+            </a:extLst>
+          </a:blip>
+          <a:stretch>
+            <a:fillRect/>
+          </a:stretch>
+        </p:blipFill>
+        <p:spPr>
+          <a:xfrm>
+            <a:off x="259839" y="1118660"/>
+            <a:ext cx="5836161" cy="3547553"/>
+          </a:xfrm>
+          <a:prstGeom prst="rect">
+            <a:avLst/>
+          </a:prstGeom>
+        </p:spPr>
+      </p:pic>
+      <p:sp>
+        <p:nvSpPr>
+          <p:cNvPr id="20" name="TextBox 19">
+            <a:extLst>
+              <a:ext uri="{FF2B5EF4-FFF2-40B4-BE49-F238E27FC236}">
+                <a16:creationId xmlns:a16="http://schemas.microsoft.com/office/drawing/2014/main" id="{6378B3AB-03FB-A5EC-C588-333DBD923009}"/>
+              </a:ext>
+            </a:extLst>
+          </p:cNvPr>
+          <p:cNvSpPr txBox="1"/>
+          <p:nvPr/>
         </p:nvSpPr>
-        <p:spPr/>
+        <p:spPr>
+          <a:xfrm>
+            <a:off x="6641884" y="6308986"/>
+            <a:ext cx="4773999" cy="400110"/>
+          </a:xfrm>
+          <a:prstGeom prst="rect">
+            <a:avLst/>
+          </a:prstGeom>
+          <a:noFill/>
+        </p:spPr>
         <p:txBody>
-          <a:bodyPr/>
+          <a:bodyPr wrap="none" rtlCol="0">
+            <a:spAutoFit/>
+          </a:bodyPr>
           <a:lstStyle/>
           <a:p>
             <a:r>
-              <a:rPr lang="en-US" dirty="0"/>
-              <a:t>Accessibility</a:t>
+              <a:rPr lang="en-US" sz="2000" b="1" dirty="0"/>
+              <a:t>By Vijay Kumar: </a:t>
+            </a:r>
+            <a:r>
+              <a:rPr lang="en-US" sz="2000" b="1" dirty="0">
+                <a:solidFill>
+                  <a:schemeClr val="accent2"/>
+                </a:solidFill>
+              </a:rPr>
+              <a:t>Senior Associate Front-end</a:t>
             </a:r>
           </a:p>
         </p:txBody>
@@ -16504,6 +17169,839 @@
           <a:chExt cx="0" cy="0"/>
         </a:xfrm>
       </p:grpSpPr>
+      <p:sp>
+        <p:nvSpPr>
+          <p:cNvPr id="4" name="TextBox 3">
+            <a:extLst>
+              <a:ext uri="{FF2B5EF4-FFF2-40B4-BE49-F238E27FC236}">
+                <a16:creationId xmlns:a16="http://schemas.microsoft.com/office/drawing/2014/main" id="{D53DCDDF-D534-6269-C298-3B3C40337EBE}"/>
+              </a:ext>
+            </a:extLst>
+          </p:cNvPr>
+          <p:cNvSpPr txBox="1"/>
+          <p:nvPr/>
+        </p:nvSpPr>
+        <p:spPr>
+          <a:xfrm flipH="1">
+            <a:off x="861645" y="689324"/>
+            <a:ext cx="3682220" cy="461665"/>
+          </a:xfrm>
+          <a:prstGeom prst="rect">
+            <a:avLst/>
+          </a:prstGeom>
+          <a:noFill/>
+        </p:spPr>
+        <p:txBody>
+          <a:bodyPr wrap="square" rtlCol="0">
+            <a:spAutoFit/>
+          </a:bodyPr>
+          <a:lstStyle/>
+          <a:p>
+            <a:r>
+              <a:rPr lang="en-US" sz="2400" b="1" dirty="0">
+                <a:solidFill>
+                  <a:schemeClr val="accent2"/>
+                </a:solidFill>
+                <a:latin typeface="Segoe UI" panose="020B0502040204020203" pitchFamily="34" charset="0"/>
+                <a:cs typeface="Segoe UI" panose="020B0502040204020203" pitchFamily="34" charset="0"/>
+              </a:rPr>
+              <a:t>What is Accessibility?</a:t>
+            </a:r>
+          </a:p>
+        </p:txBody>
+      </p:sp>
+      <p:sp>
+        <p:nvSpPr>
+          <p:cNvPr id="7" name="Text Placeholder 7">
+            <a:extLst>
+              <a:ext uri="{FF2B5EF4-FFF2-40B4-BE49-F238E27FC236}">
+                <a16:creationId xmlns:a16="http://schemas.microsoft.com/office/drawing/2014/main" id="{EFF6D23D-987B-211F-F4FC-02387328A201}"/>
+              </a:ext>
+            </a:extLst>
+          </p:cNvPr>
+          <p:cNvSpPr txBox="1">
+            <a:spLocks/>
+          </p:cNvSpPr>
+          <p:nvPr/>
+        </p:nvSpPr>
+        <p:spPr>
+          <a:xfrm>
+            <a:off x="964118" y="1306392"/>
+            <a:ext cx="11007488" cy="3954925"/>
+          </a:xfrm>
+          <a:prstGeom prst="rect">
+            <a:avLst/>
+          </a:prstGeom>
+        </p:spPr>
+        <p:txBody>
+          <a:bodyPr>
+            <a:noAutofit/>
+          </a:bodyPr>
+          <a:lstStyle>
+            <a:lvl1pPr marL="228603" indent="-228603" algn="l" defTabSz="914413" rtl="0" eaLnBrk="1" latinLnBrk="0" hangingPunct="1">
+              <a:lnSpc>
+                <a:spcPct val="90000"/>
+              </a:lnSpc>
+              <a:spcBef>
+                <a:spcPts val="1000"/>
+              </a:spcBef>
+              <a:buClr>
+                <a:schemeClr val="accent2"/>
+              </a:buClr>
+              <a:buSzPct val="80000"/>
+              <a:buFont typeface="Arial" panose="020B0604020202020204" pitchFamily="34" charset="0"/>
+              <a:buChar char="•"/>
+              <a:defRPr sz="1800" kern="1200">
+                <a:solidFill>
+                  <a:schemeClr val="tx1"/>
+                </a:solidFill>
+                <a:latin typeface="Avenir Next LT Pro" panose="020B0504020202020204" pitchFamily="34" charset="77"/>
+                <a:ea typeface="+mn-ea"/>
+                <a:cs typeface="+mn-cs"/>
+              </a:defRPr>
+            </a:lvl1pPr>
+            <a:lvl2pPr marL="685810" indent="-228603" algn="l" defTabSz="914413" rtl="0" eaLnBrk="1" latinLnBrk="0" hangingPunct="1">
+              <a:lnSpc>
+                <a:spcPct val="90000"/>
+              </a:lnSpc>
+              <a:spcBef>
+                <a:spcPts val="500"/>
+              </a:spcBef>
+              <a:buClr>
+                <a:schemeClr val="accent2"/>
+              </a:buClr>
+              <a:buSzPct val="80000"/>
+              <a:buFont typeface="Arial" panose="020B0604020202020204" pitchFamily="34" charset="0"/>
+              <a:buChar char="•"/>
+              <a:defRPr sz="1600" kern="1200">
+                <a:solidFill>
+                  <a:schemeClr val="tx1"/>
+                </a:solidFill>
+                <a:latin typeface="Avenir Next LT Pro" panose="020B0504020202020204" pitchFamily="34" charset="77"/>
+                <a:ea typeface="+mn-ea"/>
+                <a:cs typeface="+mn-cs"/>
+              </a:defRPr>
+            </a:lvl2pPr>
+            <a:lvl3pPr marL="1143017" indent="-228603" algn="l" defTabSz="914413" rtl="0" eaLnBrk="1" latinLnBrk="0" hangingPunct="1">
+              <a:lnSpc>
+                <a:spcPct val="90000"/>
+              </a:lnSpc>
+              <a:spcBef>
+                <a:spcPts val="500"/>
+              </a:spcBef>
+              <a:buClr>
+                <a:schemeClr val="accent2"/>
+              </a:buClr>
+              <a:buSzPct val="80000"/>
+              <a:buFont typeface="Arial" panose="020B0604020202020204" pitchFamily="34" charset="0"/>
+              <a:buChar char="•"/>
+              <a:defRPr sz="1400" kern="1200">
+                <a:solidFill>
+                  <a:schemeClr val="tx1"/>
+                </a:solidFill>
+                <a:latin typeface="Avenir Next LT Pro" panose="020B0504020202020204" pitchFamily="34" charset="77"/>
+                <a:ea typeface="+mn-ea"/>
+                <a:cs typeface="+mn-cs"/>
+              </a:defRPr>
+            </a:lvl3pPr>
+            <a:lvl4pPr marL="1600224" indent="-228603" algn="l" defTabSz="914413" rtl="0" eaLnBrk="1" latinLnBrk="0" hangingPunct="1">
+              <a:lnSpc>
+                <a:spcPct val="90000"/>
+              </a:lnSpc>
+              <a:spcBef>
+                <a:spcPts val="500"/>
+              </a:spcBef>
+              <a:buClr>
+                <a:schemeClr val="accent2"/>
+              </a:buClr>
+              <a:buSzPct val="80000"/>
+              <a:buFont typeface="Arial" panose="020B0604020202020204" pitchFamily="34" charset="0"/>
+              <a:buChar char="•"/>
+              <a:defRPr sz="1200" kern="1200">
+                <a:solidFill>
+                  <a:schemeClr val="tx1"/>
+                </a:solidFill>
+                <a:latin typeface="Avenir Next LT Pro" panose="020B0504020202020204" pitchFamily="34" charset="77"/>
+                <a:ea typeface="+mn-ea"/>
+                <a:cs typeface="+mn-cs"/>
+              </a:defRPr>
+            </a:lvl4pPr>
+            <a:lvl5pPr marL="2057430" indent="-228603" algn="l" defTabSz="914413" rtl="0" eaLnBrk="1" latinLnBrk="0" hangingPunct="1">
+              <a:lnSpc>
+                <a:spcPct val="90000"/>
+              </a:lnSpc>
+              <a:spcBef>
+                <a:spcPts val="500"/>
+              </a:spcBef>
+              <a:buClr>
+                <a:schemeClr val="accent2"/>
+              </a:buClr>
+              <a:buSzPct val="80000"/>
+              <a:buFont typeface="Arial" panose="020B0604020202020204" pitchFamily="34" charset="0"/>
+              <a:buChar char="•"/>
+              <a:defRPr sz="1200" kern="1200">
+                <a:solidFill>
+                  <a:schemeClr val="tx1"/>
+                </a:solidFill>
+                <a:latin typeface="Avenir Next LT Pro" panose="020B0504020202020204" pitchFamily="34" charset="77"/>
+                <a:ea typeface="+mn-ea"/>
+                <a:cs typeface="+mn-cs"/>
+              </a:defRPr>
+            </a:lvl5pPr>
+            <a:lvl6pPr marL="2514637" indent="-228603" algn="l" defTabSz="914413" rtl="0" eaLnBrk="1" latinLnBrk="0" hangingPunct="1">
+              <a:lnSpc>
+                <a:spcPct val="90000"/>
+              </a:lnSpc>
+              <a:spcBef>
+                <a:spcPts val="500"/>
+              </a:spcBef>
+              <a:buFont typeface="Arial" panose="020B0604020202020204" pitchFamily="34" charset="0"/>
+              <a:buChar char="•"/>
+              <a:defRPr sz="1800" kern="1200">
+                <a:solidFill>
+                  <a:schemeClr val="tx1"/>
+                </a:solidFill>
+                <a:latin typeface="+mn-lt"/>
+                <a:ea typeface="+mn-ea"/>
+                <a:cs typeface="+mn-cs"/>
+              </a:defRPr>
+            </a:lvl6pPr>
+            <a:lvl7pPr marL="2971843" indent="-228603" algn="l" defTabSz="914413" rtl="0" eaLnBrk="1" latinLnBrk="0" hangingPunct="1">
+              <a:lnSpc>
+                <a:spcPct val="90000"/>
+              </a:lnSpc>
+              <a:spcBef>
+                <a:spcPts val="500"/>
+              </a:spcBef>
+              <a:buFont typeface="Arial" panose="020B0604020202020204" pitchFamily="34" charset="0"/>
+              <a:buChar char="•"/>
+              <a:defRPr sz="1800" kern="1200">
+                <a:solidFill>
+                  <a:schemeClr val="tx1"/>
+                </a:solidFill>
+                <a:latin typeface="+mn-lt"/>
+                <a:ea typeface="+mn-ea"/>
+                <a:cs typeface="+mn-cs"/>
+              </a:defRPr>
+            </a:lvl7pPr>
+            <a:lvl8pPr marL="3429051" indent="-228603" algn="l" defTabSz="914413" rtl="0" eaLnBrk="1" latinLnBrk="0" hangingPunct="1">
+              <a:lnSpc>
+                <a:spcPct val="90000"/>
+              </a:lnSpc>
+              <a:spcBef>
+                <a:spcPts val="500"/>
+              </a:spcBef>
+              <a:buFont typeface="Arial" panose="020B0604020202020204" pitchFamily="34" charset="0"/>
+              <a:buChar char="•"/>
+              <a:defRPr sz="1800" kern="1200">
+                <a:solidFill>
+                  <a:schemeClr val="tx1"/>
+                </a:solidFill>
+                <a:latin typeface="+mn-lt"/>
+                <a:ea typeface="+mn-ea"/>
+                <a:cs typeface="+mn-cs"/>
+              </a:defRPr>
+            </a:lvl8pPr>
+            <a:lvl9pPr marL="3886257" indent="-228603" algn="l" defTabSz="914413" rtl="0" eaLnBrk="1" latinLnBrk="0" hangingPunct="1">
+              <a:lnSpc>
+                <a:spcPct val="90000"/>
+              </a:lnSpc>
+              <a:spcBef>
+                <a:spcPts val="500"/>
+              </a:spcBef>
+              <a:buFont typeface="Arial" panose="020B0604020202020204" pitchFamily="34" charset="0"/>
+              <a:buChar char="•"/>
+              <a:defRPr sz="1800" kern="1200">
+                <a:solidFill>
+                  <a:schemeClr val="tx1"/>
+                </a:solidFill>
+                <a:latin typeface="+mn-lt"/>
+                <a:ea typeface="+mn-ea"/>
+                <a:cs typeface="+mn-cs"/>
+              </a:defRPr>
+            </a:lvl9pPr>
+          </a:lstStyle>
+          <a:p>
+            <a:pPr marL="285750" indent="-285750">
+              <a:lnSpc>
+                <a:spcPct val="150000"/>
+              </a:lnSpc>
+              <a:buFont typeface="Arial" panose="020B0604020202020204" pitchFamily="34" charset="0"/>
+              <a:buChar char="•"/>
+            </a:pPr>
+            <a:r>
+              <a:rPr lang="en-US" b="0" i="0" dirty="0">
+                <a:solidFill>
+                  <a:srgbClr val="374151"/>
+                </a:solidFill>
+                <a:effectLst/>
+                <a:latin typeface="Segoe UI" panose="020B0502040204020203" pitchFamily="34" charset="0"/>
+                <a:cs typeface="Segoe UI" panose="020B0502040204020203" pitchFamily="34" charset="0"/>
+              </a:rPr>
+              <a:t>The goal of accessibility is to ensure that individuals with disabilities have equal access to information and functionality online, just as those without disabilities do. It involves removing barriers and providing accommodations to enable people with disabilities to perceive, understand, navigate, and interact with digital content effectively.</a:t>
+            </a:r>
+            <a:endParaRPr lang="en-US" dirty="0">
+              <a:solidFill>
+                <a:srgbClr val="374151"/>
+              </a:solidFill>
+              <a:latin typeface="Segoe UI" panose="020B0502040204020203" pitchFamily="34" charset="0"/>
+              <a:cs typeface="Segoe UI" panose="020B0502040204020203" pitchFamily="34" charset="0"/>
+            </a:endParaRPr>
+          </a:p>
+          <a:p>
+            <a:pPr marL="285750" indent="-285750">
+              <a:lnSpc>
+                <a:spcPct val="150000"/>
+              </a:lnSpc>
+              <a:buFont typeface="Arial" panose="020B0604020202020204" pitchFamily="34" charset="0"/>
+              <a:buChar char="•"/>
+            </a:pPr>
+            <a:r>
+              <a:rPr lang="en-US" b="0" i="0" dirty="0">
+                <a:solidFill>
+                  <a:srgbClr val="374151"/>
+                </a:solidFill>
+                <a:effectLst/>
+                <a:latin typeface="Segoe UI" panose="020B0502040204020203" pitchFamily="34" charset="0"/>
+                <a:cs typeface="Segoe UI" panose="020B0502040204020203" pitchFamily="34" charset="0"/>
+              </a:rPr>
+              <a:t>Accessibility also called </a:t>
+            </a:r>
+            <a:r>
+              <a:rPr lang="en-US" b="1" i="0" dirty="0">
+                <a:effectLst/>
+                <a:latin typeface="Segoe UI" panose="020B0502040204020203" pitchFamily="34" charset="0"/>
+                <a:cs typeface="Segoe UI" panose="020B0502040204020203" pitchFamily="34" charset="0"/>
+              </a:rPr>
+              <a:t>A11y</a:t>
+            </a:r>
+            <a:endParaRPr lang="en-US" dirty="0">
+              <a:solidFill>
+                <a:srgbClr val="374151"/>
+              </a:solidFill>
+              <a:latin typeface="Segoe UI" panose="020B0502040204020203" pitchFamily="34" charset="0"/>
+              <a:cs typeface="Segoe UI" panose="020B0502040204020203" pitchFamily="34" charset="0"/>
+            </a:endParaRPr>
+          </a:p>
+          <a:p>
+            <a:pPr marL="285750" indent="-285750">
+              <a:lnSpc>
+                <a:spcPct val="150000"/>
+              </a:lnSpc>
+              <a:buFont typeface="Arial" panose="020B0604020202020204" pitchFamily="34" charset="0"/>
+              <a:buChar char="•"/>
+            </a:pPr>
+            <a:r>
+              <a:rPr lang="en-US" b="0" i="0" dirty="0">
+                <a:solidFill>
+                  <a:srgbClr val="374151"/>
+                </a:solidFill>
+                <a:effectLst/>
+                <a:latin typeface="Segoe UI" panose="020B0502040204020203" pitchFamily="34" charset="0"/>
+                <a:cs typeface="Segoe UI" panose="020B0502040204020203" pitchFamily="34" charset="0"/>
+              </a:rPr>
+              <a:t>Web Content Accessibility Guidelines (</a:t>
+            </a:r>
+            <a:r>
+              <a:rPr lang="en-US" b="1" i="0" dirty="0">
+                <a:solidFill>
+                  <a:srgbClr val="374151"/>
+                </a:solidFill>
+                <a:effectLst/>
+                <a:latin typeface="Segoe UI" panose="020B0502040204020203" pitchFamily="34" charset="0"/>
+                <a:cs typeface="Segoe UI" panose="020B0502040204020203" pitchFamily="34" charset="0"/>
+              </a:rPr>
+              <a:t>WCAG</a:t>
+            </a:r>
+            <a:r>
+              <a:rPr lang="en-US" b="0" i="0" dirty="0">
+                <a:solidFill>
+                  <a:srgbClr val="374151"/>
+                </a:solidFill>
+                <a:effectLst/>
+                <a:latin typeface="Segoe UI" panose="020B0502040204020203" pitchFamily="34" charset="0"/>
+                <a:cs typeface="Segoe UI" panose="020B0502040204020203" pitchFamily="34" charset="0"/>
+              </a:rPr>
+              <a:t>) provide a set of internationally recognized standards for web accessibility. These guidelines cover various aspects, including text alternatives for non-text content (like images), keyboard navigation, clear and consistent navigation, and more.</a:t>
+            </a:r>
+          </a:p>
+        </p:txBody>
+      </p:sp>
+    </p:spTree>
+    <p:extLst>
+      <p:ext uri="{BB962C8B-B14F-4D97-AF65-F5344CB8AC3E}">
+        <p14:creationId xmlns:p14="http://schemas.microsoft.com/office/powerpoint/2010/main" val="3177701440"/>
+      </p:ext>
+    </p:extLst>
+  </p:cSld>
+  <p:clrMapOvr>
+    <a:masterClrMapping/>
+  </p:clrMapOvr>
+</p:sld>
+</file>
+
+<file path=ppt/slides/slide3.xml><?xml version="1.0" encoding="utf-8"?>
+<p:sld xmlns:a="http://schemas.openxmlformats.org/drawingml/2006/main" xmlns:r="http://schemas.openxmlformats.org/officeDocument/2006/relationships" xmlns:p="http://schemas.openxmlformats.org/presentationml/2006/main">
+  <p:cSld>
+    <p:spTree>
+      <p:nvGrpSpPr>
+        <p:cNvPr id="1" name=""/>
+        <p:cNvGrpSpPr/>
+        <p:nvPr/>
+      </p:nvGrpSpPr>
+      <p:grpSpPr>
+        <a:xfrm>
+          <a:off x="0" y="0"/>
+          <a:ext cx="0" cy="0"/>
+          <a:chOff x="0" y="0"/>
+          <a:chExt cx="0" cy="0"/>
+        </a:xfrm>
+      </p:grpSpPr>
+      <p:sp>
+        <p:nvSpPr>
+          <p:cNvPr id="3" name="TextBox 2">
+            <a:extLst>
+              <a:ext uri="{FF2B5EF4-FFF2-40B4-BE49-F238E27FC236}">
+                <a16:creationId xmlns:a16="http://schemas.microsoft.com/office/drawing/2014/main" id="{1CE5703C-5A4D-64F2-F64E-E0CD0BD516CB}"/>
+              </a:ext>
+            </a:extLst>
+          </p:cNvPr>
+          <p:cNvSpPr txBox="1"/>
+          <p:nvPr/>
+        </p:nvSpPr>
+        <p:spPr>
+          <a:xfrm flipH="1">
+            <a:off x="956603" y="590855"/>
+            <a:ext cx="6580164" cy="461665"/>
+          </a:xfrm>
+          <a:prstGeom prst="rect">
+            <a:avLst/>
+          </a:prstGeom>
+          <a:noFill/>
+        </p:spPr>
+        <p:txBody>
+          <a:bodyPr wrap="square" rtlCol="0">
+            <a:spAutoFit/>
+          </a:bodyPr>
+          <a:lstStyle/>
+          <a:p>
+            <a:r>
+              <a:rPr lang="en-US" sz="2400" b="1" dirty="0">
+                <a:solidFill>
+                  <a:schemeClr val="accent2"/>
+                </a:solidFill>
+                <a:latin typeface="Segoe UI" panose="020B0502040204020203" pitchFamily="34" charset="0"/>
+                <a:cs typeface="Segoe UI" panose="020B0502040204020203" pitchFamily="34" charset="0"/>
+              </a:rPr>
+              <a:t>Tools to validate accessibility?</a:t>
+            </a:r>
+          </a:p>
+        </p:txBody>
+      </p:sp>
+      <p:sp>
+        <p:nvSpPr>
+          <p:cNvPr id="4" name="TextBox 3">
+            <a:extLst>
+              <a:ext uri="{FF2B5EF4-FFF2-40B4-BE49-F238E27FC236}">
+                <a16:creationId xmlns:a16="http://schemas.microsoft.com/office/drawing/2014/main" id="{3E4EC1F6-DBE8-3BF1-76EC-278791B0F541}"/>
+              </a:ext>
+            </a:extLst>
+          </p:cNvPr>
+          <p:cNvSpPr txBox="1"/>
+          <p:nvPr/>
+        </p:nvSpPr>
+        <p:spPr>
+          <a:xfrm>
+            <a:off x="956603" y="1238971"/>
+            <a:ext cx="10170942" cy="646331"/>
+          </a:xfrm>
+          <a:prstGeom prst="rect">
+            <a:avLst/>
+          </a:prstGeom>
+          <a:noFill/>
+        </p:spPr>
+        <p:txBody>
+          <a:bodyPr wrap="square" rtlCol="0">
+            <a:spAutoFit/>
+          </a:bodyPr>
+          <a:lstStyle/>
+          <a:p>
+            <a:r>
+              <a:rPr lang="en-US" b="0" i="0" dirty="0">
+                <a:solidFill>
+                  <a:srgbClr val="374151"/>
+                </a:solidFill>
+                <a:effectLst/>
+                <a:latin typeface="Segoe UI" panose="020B0502040204020203" pitchFamily="34" charset="0"/>
+                <a:cs typeface="Segoe UI" panose="020B0502040204020203" pitchFamily="34" charset="0"/>
+              </a:rPr>
+              <a:t>There are various tools, extension and website to test the accessibility of the website. Some of they are mentioned below.</a:t>
+            </a:r>
+            <a:endParaRPr lang="en-US" dirty="0">
+              <a:latin typeface="Segoe UI" panose="020B0502040204020203" pitchFamily="34" charset="0"/>
+              <a:cs typeface="Segoe UI" panose="020B0502040204020203" pitchFamily="34" charset="0"/>
+            </a:endParaRPr>
+          </a:p>
+        </p:txBody>
+      </p:sp>
+      <p:sp>
+        <p:nvSpPr>
+          <p:cNvPr id="5" name="Text Placeholder 7">
+            <a:extLst>
+              <a:ext uri="{FF2B5EF4-FFF2-40B4-BE49-F238E27FC236}">
+                <a16:creationId xmlns:a16="http://schemas.microsoft.com/office/drawing/2014/main" id="{C816370F-F0F7-EAB2-B91E-76D2B11725EA}"/>
+              </a:ext>
+            </a:extLst>
+          </p:cNvPr>
+          <p:cNvSpPr txBox="1">
+            <a:spLocks/>
+          </p:cNvSpPr>
+          <p:nvPr/>
+        </p:nvSpPr>
+        <p:spPr>
+          <a:xfrm>
+            <a:off x="1224855" y="2087441"/>
+            <a:ext cx="7440844" cy="1851514"/>
+          </a:xfrm>
+          <a:prstGeom prst="rect">
+            <a:avLst/>
+          </a:prstGeom>
+        </p:spPr>
+        <p:txBody>
+          <a:bodyPr>
+            <a:noAutofit/>
+          </a:bodyPr>
+          <a:lstStyle>
+            <a:lvl1pPr marL="228603" indent="-228603" algn="l" defTabSz="914413" rtl="0" eaLnBrk="1" latinLnBrk="0" hangingPunct="1">
+              <a:lnSpc>
+                <a:spcPct val="90000"/>
+              </a:lnSpc>
+              <a:spcBef>
+                <a:spcPts val="1000"/>
+              </a:spcBef>
+              <a:buClr>
+                <a:schemeClr val="accent2"/>
+              </a:buClr>
+              <a:buSzPct val="80000"/>
+              <a:buFont typeface="Arial" panose="020B0604020202020204" pitchFamily="34" charset="0"/>
+              <a:buChar char="•"/>
+              <a:defRPr sz="1800" kern="1200">
+                <a:solidFill>
+                  <a:schemeClr val="tx1"/>
+                </a:solidFill>
+                <a:latin typeface="Avenir Next LT Pro" panose="020B0504020202020204" pitchFamily="34" charset="77"/>
+                <a:ea typeface="+mn-ea"/>
+                <a:cs typeface="+mn-cs"/>
+              </a:defRPr>
+            </a:lvl1pPr>
+            <a:lvl2pPr marL="685810" indent="-228603" algn="l" defTabSz="914413" rtl="0" eaLnBrk="1" latinLnBrk="0" hangingPunct="1">
+              <a:lnSpc>
+                <a:spcPct val="90000"/>
+              </a:lnSpc>
+              <a:spcBef>
+                <a:spcPts val="500"/>
+              </a:spcBef>
+              <a:buClr>
+                <a:schemeClr val="accent2"/>
+              </a:buClr>
+              <a:buSzPct val="80000"/>
+              <a:buFont typeface="Arial" panose="020B0604020202020204" pitchFamily="34" charset="0"/>
+              <a:buChar char="•"/>
+              <a:defRPr sz="1600" kern="1200">
+                <a:solidFill>
+                  <a:schemeClr val="tx1"/>
+                </a:solidFill>
+                <a:latin typeface="Avenir Next LT Pro" panose="020B0504020202020204" pitchFamily="34" charset="77"/>
+                <a:ea typeface="+mn-ea"/>
+                <a:cs typeface="+mn-cs"/>
+              </a:defRPr>
+            </a:lvl2pPr>
+            <a:lvl3pPr marL="1143017" indent="-228603" algn="l" defTabSz="914413" rtl="0" eaLnBrk="1" latinLnBrk="0" hangingPunct="1">
+              <a:lnSpc>
+                <a:spcPct val="90000"/>
+              </a:lnSpc>
+              <a:spcBef>
+                <a:spcPts val="500"/>
+              </a:spcBef>
+              <a:buClr>
+                <a:schemeClr val="accent2"/>
+              </a:buClr>
+              <a:buSzPct val="80000"/>
+              <a:buFont typeface="Arial" panose="020B0604020202020204" pitchFamily="34" charset="0"/>
+              <a:buChar char="•"/>
+              <a:defRPr sz="1400" kern="1200">
+                <a:solidFill>
+                  <a:schemeClr val="tx1"/>
+                </a:solidFill>
+                <a:latin typeface="Avenir Next LT Pro" panose="020B0504020202020204" pitchFamily="34" charset="77"/>
+                <a:ea typeface="+mn-ea"/>
+                <a:cs typeface="+mn-cs"/>
+              </a:defRPr>
+            </a:lvl3pPr>
+            <a:lvl4pPr marL="1600224" indent="-228603" algn="l" defTabSz="914413" rtl="0" eaLnBrk="1" latinLnBrk="0" hangingPunct="1">
+              <a:lnSpc>
+                <a:spcPct val="90000"/>
+              </a:lnSpc>
+              <a:spcBef>
+                <a:spcPts val="500"/>
+              </a:spcBef>
+              <a:buClr>
+                <a:schemeClr val="accent2"/>
+              </a:buClr>
+              <a:buSzPct val="80000"/>
+              <a:buFont typeface="Arial" panose="020B0604020202020204" pitchFamily="34" charset="0"/>
+              <a:buChar char="•"/>
+              <a:defRPr sz="1200" kern="1200">
+                <a:solidFill>
+                  <a:schemeClr val="tx1"/>
+                </a:solidFill>
+                <a:latin typeface="Avenir Next LT Pro" panose="020B0504020202020204" pitchFamily="34" charset="77"/>
+                <a:ea typeface="+mn-ea"/>
+                <a:cs typeface="+mn-cs"/>
+              </a:defRPr>
+            </a:lvl4pPr>
+            <a:lvl5pPr marL="2057430" indent="-228603" algn="l" defTabSz="914413" rtl="0" eaLnBrk="1" latinLnBrk="0" hangingPunct="1">
+              <a:lnSpc>
+                <a:spcPct val="90000"/>
+              </a:lnSpc>
+              <a:spcBef>
+                <a:spcPts val="500"/>
+              </a:spcBef>
+              <a:buClr>
+                <a:schemeClr val="accent2"/>
+              </a:buClr>
+              <a:buSzPct val="80000"/>
+              <a:buFont typeface="Arial" panose="020B0604020202020204" pitchFamily="34" charset="0"/>
+              <a:buChar char="•"/>
+              <a:defRPr sz="1200" kern="1200">
+                <a:solidFill>
+                  <a:schemeClr val="tx1"/>
+                </a:solidFill>
+                <a:latin typeface="Avenir Next LT Pro" panose="020B0504020202020204" pitchFamily="34" charset="77"/>
+                <a:ea typeface="+mn-ea"/>
+                <a:cs typeface="+mn-cs"/>
+              </a:defRPr>
+            </a:lvl5pPr>
+            <a:lvl6pPr marL="2514637" indent="-228603" algn="l" defTabSz="914413" rtl="0" eaLnBrk="1" latinLnBrk="0" hangingPunct="1">
+              <a:lnSpc>
+                <a:spcPct val="90000"/>
+              </a:lnSpc>
+              <a:spcBef>
+                <a:spcPts val="500"/>
+              </a:spcBef>
+              <a:buFont typeface="Arial" panose="020B0604020202020204" pitchFamily="34" charset="0"/>
+              <a:buChar char="•"/>
+              <a:defRPr sz="1800" kern="1200">
+                <a:solidFill>
+                  <a:schemeClr val="tx1"/>
+                </a:solidFill>
+                <a:latin typeface="+mn-lt"/>
+                <a:ea typeface="+mn-ea"/>
+                <a:cs typeface="+mn-cs"/>
+              </a:defRPr>
+            </a:lvl6pPr>
+            <a:lvl7pPr marL="2971843" indent="-228603" algn="l" defTabSz="914413" rtl="0" eaLnBrk="1" latinLnBrk="0" hangingPunct="1">
+              <a:lnSpc>
+                <a:spcPct val="90000"/>
+              </a:lnSpc>
+              <a:spcBef>
+                <a:spcPts val="500"/>
+              </a:spcBef>
+              <a:buFont typeface="Arial" panose="020B0604020202020204" pitchFamily="34" charset="0"/>
+              <a:buChar char="•"/>
+              <a:defRPr sz="1800" kern="1200">
+                <a:solidFill>
+                  <a:schemeClr val="tx1"/>
+                </a:solidFill>
+                <a:latin typeface="+mn-lt"/>
+                <a:ea typeface="+mn-ea"/>
+                <a:cs typeface="+mn-cs"/>
+              </a:defRPr>
+            </a:lvl7pPr>
+            <a:lvl8pPr marL="3429051" indent="-228603" algn="l" defTabSz="914413" rtl="0" eaLnBrk="1" latinLnBrk="0" hangingPunct="1">
+              <a:lnSpc>
+                <a:spcPct val="90000"/>
+              </a:lnSpc>
+              <a:spcBef>
+                <a:spcPts val="500"/>
+              </a:spcBef>
+              <a:buFont typeface="Arial" panose="020B0604020202020204" pitchFamily="34" charset="0"/>
+              <a:buChar char="•"/>
+              <a:defRPr sz="1800" kern="1200">
+                <a:solidFill>
+                  <a:schemeClr val="tx1"/>
+                </a:solidFill>
+                <a:latin typeface="+mn-lt"/>
+                <a:ea typeface="+mn-ea"/>
+                <a:cs typeface="+mn-cs"/>
+              </a:defRPr>
+            </a:lvl8pPr>
+            <a:lvl9pPr marL="3886257" indent="-228603" algn="l" defTabSz="914413" rtl="0" eaLnBrk="1" latinLnBrk="0" hangingPunct="1">
+              <a:lnSpc>
+                <a:spcPct val="90000"/>
+              </a:lnSpc>
+              <a:spcBef>
+                <a:spcPts val="500"/>
+              </a:spcBef>
+              <a:buFont typeface="Arial" panose="020B0604020202020204" pitchFamily="34" charset="0"/>
+              <a:buChar char="•"/>
+              <a:defRPr sz="1800" kern="1200">
+                <a:solidFill>
+                  <a:schemeClr val="tx1"/>
+                </a:solidFill>
+                <a:latin typeface="+mn-lt"/>
+                <a:ea typeface="+mn-ea"/>
+                <a:cs typeface="+mn-cs"/>
+              </a:defRPr>
+            </a:lvl9pPr>
+          </a:lstStyle>
+          <a:p>
+            <a:pPr marL="285750" indent="-285750">
+              <a:lnSpc>
+                <a:spcPct val="150000"/>
+              </a:lnSpc>
+              <a:buFont typeface="Arial" panose="020B0604020202020204" pitchFamily="34" charset="0"/>
+              <a:buChar char="•"/>
+            </a:pPr>
+            <a:r>
+              <a:rPr lang="en-US" b="1" i="0" dirty="0">
+                <a:solidFill>
+                  <a:srgbClr val="374151"/>
+                </a:solidFill>
+                <a:effectLst/>
+                <a:latin typeface="Segoe UI" panose="020B0502040204020203" pitchFamily="34" charset="0"/>
+                <a:cs typeface="Segoe UI" panose="020B0502040204020203" pitchFamily="34" charset="0"/>
+              </a:rPr>
+              <a:t>Web Evaluation Tool</a:t>
+            </a:r>
+            <a:r>
+              <a:rPr lang="en-US" b="0" i="0" dirty="0">
+                <a:solidFill>
+                  <a:srgbClr val="374151"/>
+                </a:solidFill>
+                <a:effectLst/>
+                <a:latin typeface="Segoe UI" panose="020B0502040204020203" pitchFamily="34" charset="0"/>
+                <a:cs typeface="Segoe UI" panose="020B0502040204020203" pitchFamily="34" charset="0"/>
+              </a:rPr>
+              <a:t> (Google Chrome Extension)</a:t>
+            </a:r>
+            <a:endParaRPr lang="en-US" dirty="0">
+              <a:solidFill>
+                <a:srgbClr val="374151"/>
+              </a:solidFill>
+              <a:latin typeface="Segoe UI" panose="020B0502040204020203" pitchFamily="34" charset="0"/>
+              <a:cs typeface="Segoe UI" panose="020B0502040204020203" pitchFamily="34" charset="0"/>
+            </a:endParaRPr>
+          </a:p>
+          <a:p>
+            <a:pPr marL="285750" indent="-285750">
+              <a:lnSpc>
+                <a:spcPct val="150000"/>
+              </a:lnSpc>
+              <a:buFont typeface="Arial" panose="020B0604020202020204" pitchFamily="34" charset="0"/>
+              <a:buChar char="•"/>
+            </a:pPr>
+            <a:r>
+              <a:rPr lang="en-US" b="1" i="0" dirty="0">
+                <a:solidFill>
+                  <a:srgbClr val="374151"/>
+                </a:solidFill>
+                <a:effectLst/>
+                <a:latin typeface="Segoe UI" panose="020B0502040204020203" pitchFamily="34" charset="0"/>
+                <a:cs typeface="Segoe UI" panose="020B0502040204020203" pitchFamily="34" charset="0"/>
+              </a:rPr>
+              <a:t>Accessibility Insights for Web</a:t>
+            </a:r>
+            <a:r>
+              <a:rPr lang="en-US" b="0" i="0" dirty="0">
+                <a:solidFill>
+                  <a:srgbClr val="374151"/>
+                </a:solidFill>
+                <a:effectLst/>
+                <a:latin typeface="Segoe UI" panose="020B0502040204020203" pitchFamily="34" charset="0"/>
+                <a:cs typeface="Segoe UI" panose="020B0502040204020203" pitchFamily="34" charset="0"/>
+              </a:rPr>
+              <a:t> (Google Chrome Extension)</a:t>
+            </a:r>
+            <a:endParaRPr lang="en-US" dirty="0">
+              <a:solidFill>
+                <a:srgbClr val="374151"/>
+              </a:solidFill>
+              <a:latin typeface="Segoe UI" panose="020B0502040204020203" pitchFamily="34" charset="0"/>
+              <a:cs typeface="Segoe UI" panose="020B0502040204020203" pitchFamily="34" charset="0"/>
+            </a:endParaRPr>
+          </a:p>
+          <a:p>
+            <a:pPr marL="285750" indent="-285750">
+              <a:lnSpc>
+                <a:spcPct val="150000"/>
+              </a:lnSpc>
+              <a:buFont typeface="Arial" panose="020B0604020202020204" pitchFamily="34" charset="0"/>
+              <a:buChar char="•"/>
+            </a:pPr>
+            <a:r>
+              <a:rPr lang="en-US" b="1" i="0" dirty="0" err="1">
+                <a:solidFill>
+                  <a:srgbClr val="374151"/>
+                </a:solidFill>
+                <a:effectLst/>
+                <a:latin typeface="Segoe UI" panose="020B0502040204020203" pitchFamily="34" charset="0"/>
+                <a:cs typeface="Segoe UI" panose="020B0502040204020203" pitchFamily="34" charset="0"/>
+              </a:rPr>
+              <a:t>Achecker</a:t>
+            </a:r>
+            <a:r>
+              <a:rPr lang="en-US" b="0" i="0" dirty="0">
+                <a:solidFill>
+                  <a:srgbClr val="374151"/>
+                </a:solidFill>
+                <a:effectLst/>
+                <a:latin typeface="Segoe UI" panose="020B0502040204020203" pitchFamily="34" charset="0"/>
+                <a:cs typeface="Segoe UI" panose="020B0502040204020203" pitchFamily="34" charset="0"/>
+              </a:rPr>
+              <a:t> (</a:t>
+            </a:r>
+            <a:r>
+              <a:rPr lang="en-US" sz="1200" b="1" i="0" dirty="0">
+                <a:solidFill>
+                  <a:srgbClr val="374151"/>
+                </a:solidFill>
+                <a:effectLst/>
+                <a:latin typeface="Segoe UI" panose="020B0502040204020203" pitchFamily="34" charset="0"/>
+                <a:cs typeface="Segoe UI" panose="020B0502040204020203" pitchFamily="34" charset="0"/>
+              </a:rPr>
+              <a:t>Website url: </a:t>
+            </a:r>
+            <a:r>
+              <a:rPr lang="en-US" b="0" i="0" dirty="0">
+                <a:solidFill>
+                  <a:srgbClr val="374151"/>
+                </a:solidFill>
+                <a:effectLst/>
+                <a:latin typeface="Segoe UI" panose="020B0502040204020203" pitchFamily="34" charset="0"/>
+                <a:cs typeface="Segoe UI" panose="020B0502040204020203" pitchFamily="34" charset="0"/>
+                <a:hlinkClick r:id="rId2"/>
+              </a:rPr>
+              <a:t>https://achecks.org/checker/</a:t>
+            </a:r>
+            <a:r>
+              <a:rPr lang="en-US" b="0" i="0" dirty="0">
+                <a:solidFill>
+                  <a:srgbClr val="374151"/>
+                </a:solidFill>
+                <a:effectLst/>
+                <a:latin typeface="Segoe UI" panose="020B0502040204020203" pitchFamily="34" charset="0"/>
+                <a:cs typeface="Segoe UI" panose="020B0502040204020203" pitchFamily="34" charset="0"/>
+              </a:rPr>
+              <a:t>)</a:t>
+            </a:r>
+            <a:endParaRPr lang="en-US" dirty="0">
+              <a:latin typeface="Segoe UI" panose="020B0502040204020203" pitchFamily="34" charset="0"/>
+              <a:cs typeface="Segoe UI" panose="020B0502040204020203" pitchFamily="34" charset="0"/>
+            </a:endParaRPr>
+          </a:p>
+        </p:txBody>
+      </p:sp>
     </p:spTree>
     <p:extLst>
       <p:ext uri="{BB962C8B-B14F-4D97-AF65-F5344CB8AC3E}">
@@ -16517,7 +18015,1846 @@
 </p:sld>
 </file>
 
-<file path=ppt/slides/slide3.xml><?xml version="1.0" encoding="utf-8"?>
+<file path=ppt/slides/slide4.xml><?xml version="1.0" encoding="utf-8"?>
+<p:sld xmlns:a="http://schemas.openxmlformats.org/drawingml/2006/main" xmlns:r="http://schemas.openxmlformats.org/officeDocument/2006/relationships" xmlns:p="http://schemas.openxmlformats.org/presentationml/2006/main">
+  <p:cSld>
+    <p:spTree>
+      <p:nvGrpSpPr>
+        <p:cNvPr id="1" name=""/>
+        <p:cNvGrpSpPr/>
+        <p:nvPr/>
+      </p:nvGrpSpPr>
+      <p:grpSpPr>
+        <a:xfrm>
+          <a:off x="0" y="0"/>
+          <a:ext cx="0" cy="0"/>
+          <a:chOff x="0" y="0"/>
+          <a:chExt cx="0" cy="0"/>
+        </a:xfrm>
+      </p:grpSpPr>
+      <p:sp>
+        <p:nvSpPr>
+          <p:cNvPr id="4" name="TextBox 3">
+            <a:extLst>
+              <a:ext uri="{FF2B5EF4-FFF2-40B4-BE49-F238E27FC236}">
+                <a16:creationId xmlns:a16="http://schemas.microsoft.com/office/drawing/2014/main" id="{A053F0B5-2693-2340-8A7E-50E69F412EFC}"/>
+              </a:ext>
+            </a:extLst>
+          </p:cNvPr>
+          <p:cNvSpPr txBox="1"/>
+          <p:nvPr/>
+        </p:nvSpPr>
+        <p:spPr>
+          <a:xfrm flipH="1">
+            <a:off x="946053" y="689327"/>
+            <a:ext cx="6580164" cy="461665"/>
+          </a:xfrm>
+          <a:prstGeom prst="rect">
+            <a:avLst/>
+          </a:prstGeom>
+          <a:noFill/>
+        </p:spPr>
+        <p:txBody>
+          <a:bodyPr wrap="square" rtlCol="0">
+            <a:spAutoFit/>
+          </a:bodyPr>
+          <a:lstStyle/>
+          <a:p>
+            <a:r>
+              <a:rPr lang="en-US" sz="2400" b="1" dirty="0">
+                <a:solidFill>
+                  <a:schemeClr val="accent2"/>
+                </a:solidFill>
+                <a:latin typeface="Segoe UI" panose="020B0502040204020203" pitchFamily="34" charset="0"/>
+                <a:cs typeface="Segoe UI" panose="020B0502040204020203" pitchFamily="34" charset="0"/>
+              </a:rPr>
+              <a:t>Keyboard Navigation?</a:t>
+            </a:r>
+          </a:p>
+        </p:txBody>
+      </p:sp>
+      <p:sp>
+        <p:nvSpPr>
+          <p:cNvPr id="5" name="TextBox 4">
+            <a:extLst>
+              <a:ext uri="{FF2B5EF4-FFF2-40B4-BE49-F238E27FC236}">
+                <a16:creationId xmlns:a16="http://schemas.microsoft.com/office/drawing/2014/main" id="{D16E2545-CD3F-4C07-9527-3C3F4C7A71EF}"/>
+              </a:ext>
+            </a:extLst>
+          </p:cNvPr>
+          <p:cNvSpPr txBox="1"/>
+          <p:nvPr/>
+        </p:nvSpPr>
+        <p:spPr>
+          <a:xfrm>
+            <a:off x="956603" y="1421852"/>
+            <a:ext cx="10255348" cy="923330"/>
+          </a:xfrm>
+          <a:prstGeom prst="rect">
+            <a:avLst/>
+          </a:prstGeom>
+          <a:noFill/>
+        </p:spPr>
+        <p:txBody>
+          <a:bodyPr wrap="square" rtlCol="0">
+            <a:spAutoFit/>
+          </a:bodyPr>
+          <a:lstStyle/>
+          <a:p>
+            <a:r>
+              <a:rPr lang="en-US" b="0" i="0" dirty="0">
+                <a:solidFill>
+                  <a:srgbClr val="374151"/>
+                </a:solidFill>
+                <a:effectLst/>
+                <a:latin typeface="Segoe UI" panose="020B0502040204020203" pitchFamily="34" charset="0"/>
+                <a:cs typeface="Segoe UI" panose="020B0502040204020203" pitchFamily="34" charset="0"/>
+              </a:rPr>
+              <a:t>Many people with disabilities, as well as some users without disabilities, use keyboards as their primary means of interacting with the web. Here are key considerations for keyboard navigation in accessibility:</a:t>
+            </a:r>
+            <a:endParaRPr lang="en-US" dirty="0">
+              <a:latin typeface="Segoe UI" panose="020B0502040204020203" pitchFamily="34" charset="0"/>
+              <a:cs typeface="Segoe UI" panose="020B0502040204020203" pitchFamily="34" charset="0"/>
+            </a:endParaRPr>
+          </a:p>
+        </p:txBody>
+      </p:sp>
+      <p:sp>
+        <p:nvSpPr>
+          <p:cNvPr id="6" name="Text Placeholder 7">
+            <a:extLst>
+              <a:ext uri="{FF2B5EF4-FFF2-40B4-BE49-F238E27FC236}">
+                <a16:creationId xmlns:a16="http://schemas.microsoft.com/office/drawing/2014/main" id="{42876610-55B1-4413-B655-8685B30C4F86}"/>
+              </a:ext>
+            </a:extLst>
+          </p:cNvPr>
+          <p:cNvSpPr txBox="1">
+            <a:spLocks/>
+          </p:cNvSpPr>
+          <p:nvPr/>
+        </p:nvSpPr>
+        <p:spPr>
+          <a:xfrm>
+            <a:off x="1379599" y="2634469"/>
+            <a:ext cx="7440844" cy="2683119"/>
+          </a:xfrm>
+          <a:prstGeom prst="rect">
+            <a:avLst/>
+          </a:prstGeom>
+        </p:spPr>
+        <p:txBody>
+          <a:bodyPr>
+            <a:noAutofit/>
+          </a:bodyPr>
+          <a:lstStyle>
+            <a:lvl1pPr marL="228603" indent="-228603" algn="l" defTabSz="914413" rtl="0" eaLnBrk="1" latinLnBrk="0" hangingPunct="1">
+              <a:lnSpc>
+                <a:spcPct val="90000"/>
+              </a:lnSpc>
+              <a:spcBef>
+                <a:spcPts val="1000"/>
+              </a:spcBef>
+              <a:buClr>
+                <a:schemeClr val="accent2"/>
+              </a:buClr>
+              <a:buSzPct val="80000"/>
+              <a:buFont typeface="Arial" panose="020B0604020202020204" pitchFamily="34" charset="0"/>
+              <a:buChar char="•"/>
+              <a:defRPr sz="1800" kern="1200">
+                <a:solidFill>
+                  <a:schemeClr val="tx1"/>
+                </a:solidFill>
+                <a:latin typeface="Avenir Next LT Pro" panose="020B0504020202020204" pitchFamily="34" charset="77"/>
+                <a:ea typeface="+mn-ea"/>
+                <a:cs typeface="+mn-cs"/>
+              </a:defRPr>
+            </a:lvl1pPr>
+            <a:lvl2pPr marL="685810" indent="-228603" algn="l" defTabSz="914413" rtl="0" eaLnBrk="1" latinLnBrk="0" hangingPunct="1">
+              <a:lnSpc>
+                <a:spcPct val="90000"/>
+              </a:lnSpc>
+              <a:spcBef>
+                <a:spcPts val="500"/>
+              </a:spcBef>
+              <a:buClr>
+                <a:schemeClr val="accent2"/>
+              </a:buClr>
+              <a:buSzPct val="80000"/>
+              <a:buFont typeface="Arial" panose="020B0604020202020204" pitchFamily="34" charset="0"/>
+              <a:buChar char="•"/>
+              <a:defRPr sz="1600" kern="1200">
+                <a:solidFill>
+                  <a:schemeClr val="tx1"/>
+                </a:solidFill>
+                <a:latin typeface="Avenir Next LT Pro" panose="020B0504020202020204" pitchFamily="34" charset="77"/>
+                <a:ea typeface="+mn-ea"/>
+                <a:cs typeface="+mn-cs"/>
+              </a:defRPr>
+            </a:lvl2pPr>
+            <a:lvl3pPr marL="1143017" indent="-228603" algn="l" defTabSz="914413" rtl="0" eaLnBrk="1" latinLnBrk="0" hangingPunct="1">
+              <a:lnSpc>
+                <a:spcPct val="90000"/>
+              </a:lnSpc>
+              <a:spcBef>
+                <a:spcPts val="500"/>
+              </a:spcBef>
+              <a:buClr>
+                <a:schemeClr val="accent2"/>
+              </a:buClr>
+              <a:buSzPct val="80000"/>
+              <a:buFont typeface="Arial" panose="020B0604020202020204" pitchFamily="34" charset="0"/>
+              <a:buChar char="•"/>
+              <a:defRPr sz="1400" kern="1200">
+                <a:solidFill>
+                  <a:schemeClr val="tx1"/>
+                </a:solidFill>
+                <a:latin typeface="Avenir Next LT Pro" panose="020B0504020202020204" pitchFamily="34" charset="77"/>
+                <a:ea typeface="+mn-ea"/>
+                <a:cs typeface="+mn-cs"/>
+              </a:defRPr>
+            </a:lvl3pPr>
+            <a:lvl4pPr marL="1600224" indent="-228603" algn="l" defTabSz="914413" rtl="0" eaLnBrk="1" latinLnBrk="0" hangingPunct="1">
+              <a:lnSpc>
+                <a:spcPct val="90000"/>
+              </a:lnSpc>
+              <a:spcBef>
+                <a:spcPts val="500"/>
+              </a:spcBef>
+              <a:buClr>
+                <a:schemeClr val="accent2"/>
+              </a:buClr>
+              <a:buSzPct val="80000"/>
+              <a:buFont typeface="Arial" panose="020B0604020202020204" pitchFamily="34" charset="0"/>
+              <a:buChar char="•"/>
+              <a:defRPr sz="1200" kern="1200">
+                <a:solidFill>
+                  <a:schemeClr val="tx1"/>
+                </a:solidFill>
+                <a:latin typeface="Avenir Next LT Pro" panose="020B0504020202020204" pitchFamily="34" charset="77"/>
+                <a:ea typeface="+mn-ea"/>
+                <a:cs typeface="+mn-cs"/>
+              </a:defRPr>
+            </a:lvl4pPr>
+            <a:lvl5pPr marL="2057430" indent="-228603" algn="l" defTabSz="914413" rtl="0" eaLnBrk="1" latinLnBrk="0" hangingPunct="1">
+              <a:lnSpc>
+                <a:spcPct val="90000"/>
+              </a:lnSpc>
+              <a:spcBef>
+                <a:spcPts val="500"/>
+              </a:spcBef>
+              <a:buClr>
+                <a:schemeClr val="accent2"/>
+              </a:buClr>
+              <a:buSzPct val="80000"/>
+              <a:buFont typeface="Arial" panose="020B0604020202020204" pitchFamily="34" charset="0"/>
+              <a:buChar char="•"/>
+              <a:defRPr sz="1200" kern="1200">
+                <a:solidFill>
+                  <a:schemeClr val="tx1"/>
+                </a:solidFill>
+                <a:latin typeface="Avenir Next LT Pro" panose="020B0504020202020204" pitchFamily="34" charset="77"/>
+                <a:ea typeface="+mn-ea"/>
+                <a:cs typeface="+mn-cs"/>
+              </a:defRPr>
+            </a:lvl5pPr>
+            <a:lvl6pPr marL="2514637" indent="-228603" algn="l" defTabSz="914413" rtl="0" eaLnBrk="1" latinLnBrk="0" hangingPunct="1">
+              <a:lnSpc>
+                <a:spcPct val="90000"/>
+              </a:lnSpc>
+              <a:spcBef>
+                <a:spcPts val="500"/>
+              </a:spcBef>
+              <a:buFont typeface="Arial" panose="020B0604020202020204" pitchFamily="34" charset="0"/>
+              <a:buChar char="•"/>
+              <a:defRPr sz="1800" kern="1200">
+                <a:solidFill>
+                  <a:schemeClr val="tx1"/>
+                </a:solidFill>
+                <a:latin typeface="+mn-lt"/>
+                <a:ea typeface="+mn-ea"/>
+                <a:cs typeface="+mn-cs"/>
+              </a:defRPr>
+            </a:lvl6pPr>
+            <a:lvl7pPr marL="2971843" indent="-228603" algn="l" defTabSz="914413" rtl="0" eaLnBrk="1" latinLnBrk="0" hangingPunct="1">
+              <a:lnSpc>
+                <a:spcPct val="90000"/>
+              </a:lnSpc>
+              <a:spcBef>
+                <a:spcPts val="500"/>
+              </a:spcBef>
+              <a:buFont typeface="Arial" panose="020B0604020202020204" pitchFamily="34" charset="0"/>
+              <a:buChar char="•"/>
+              <a:defRPr sz="1800" kern="1200">
+                <a:solidFill>
+                  <a:schemeClr val="tx1"/>
+                </a:solidFill>
+                <a:latin typeface="+mn-lt"/>
+                <a:ea typeface="+mn-ea"/>
+                <a:cs typeface="+mn-cs"/>
+              </a:defRPr>
+            </a:lvl7pPr>
+            <a:lvl8pPr marL="3429051" indent="-228603" algn="l" defTabSz="914413" rtl="0" eaLnBrk="1" latinLnBrk="0" hangingPunct="1">
+              <a:lnSpc>
+                <a:spcPct val="90000"/>
+              </a:lnSpc>
+              <a:spcBef>
+                <a:spcPts val="500"/>
+              </a:spcBef>
+              <a:buFont typeface="Arial" panose="020B0604020202020204" pitchFamily="34" charset="0"/>
+              <a:buChar char="•"/>
+              <a:defRPr sz="1800" kern="1200">
+                <a:solidFill>
+                  <a:schemeClr val="tx1"/>
+                </a:solidFill>
+                <a:latin typeface="+mn-lt"/>
+                <a:ea typeface="+mn-ea"/>
+                <a:cs typeface="+mn-cs"/>
+              </a:defRPr>
+            </a:lvl8pPr>
+            <a:lvl9pPr marL="3886257" indent="-228603" algn="l" defTabSz="914413" rtl="0" eaLnBrk="1" latinLnBrk="0" hangingPunct="1">
+              <a:lnSpc>
+                <a:spcPct val="90000"/>
+              </a:lnSpc>
+              <a:spcBef>
+                <a:spcPts val="500"/>
+              </a:spcBef>
+              <a:buFont typeface="Arial" panose="020B0604020202020204" pitchFamily="34" charset="0"/>
+              <a:buChar char="•"/>
+              <a:defRPr sz="1800" kern="1200">
+                <a:solidFill>
+                  <a:schemeClr val="tx1"/>
+                </a:solidFill>
+                <a:latin typeface="+mn-lt"/>
+                <a:ea typeface="+mn-ea"/>
+                <a:cs typeface="+mn-cs"/>
+              </a:defRPr>
+            </a:lvl9pPr>
+          </a:lstStyle>
+          <a:p>
+            <a:pPr marL="285750" indent="-285750">
+              <a:lnSpc>
+                <a:spcPct val="100000"/>
+              </a:lnSpc>
+              <a:buFont typeface="Arial" panose="020B0604020202020204" pitchFamily="34" charset="0"/>
+              <a:buChar char="•"/>
+            </a:pPr>
+            <a:r>
+              <a:rPr lang="en-US" i="0" dirty="0">
+                <a:solidFill>
+                  <a:srgbClr val="374151"/>
+                </a:solidFill>
+                <a:effectLst/>
+                <a:latin typeface="Segoe UI" panose="020B0502040204020203" pitchFamily="34" charset="0"/>
+                <a:cs typeface="Segoe UI" panose="020B0502040204020203" pitchFamily="34" charset="0"/>
+              </a:rPr>
+              <a:t>Keyboard Focus </a:t>
+            </a:r>
+          </a:p>
+          <a:p>
+            <a:pPr marL="285750" indent="-285750">
+              <a:lnSpc>
+                <a:spcPct val="100000"/>
+              </a:lnSpc>
+              <a:buFont typeface="Arial" panose="020B0604020202020204" pitchFamily="34" charset="0"/>
+              <a:buChar char="•"/>
+            </a:pPr>
+            <a:r>
+              <a:rPr lang="en-US" i="0" dirty="0">
+                <a:solidFill>
+                  <a:srgbClr val="374151"/>
+                </a:solidFill>
+                <a:effectLst/>
+                <a:latin typeface="Segoe UI" panose="020B0502040204020203" pitchFamily="34" charset="0"/>
+                <a:cs typeface="Segoe UI" panose="020B0502040204020203" pitchFamily="34" charset="0"/>
+              </a:rPr>
+              <a:t>Logical Tab Order</a:t>
+            </a:r>
+          </a:p>
+          <a:p>
+            <a:pPr marL="285750" indent="-285750">
+              <a:lnSpc>
+                <a:spcPct val="100000"/>
+              </a:lnSpc>
+              <a:buFont typeface="Arial" panose="020B0604020202020204" pitchFamily="34" charset="0"/>
+              <a:buChar char="•"/>
+            </a:pPr>
+            <a:r>
+              <a:rPr lang="en-US" i="0" dirty="0">
+                <a:solidFill>
+                  <a:srgbClr val="374151"/>
+                </a:solidFill>
+                <a:effectLst/>
+                <a:latin typeface="Segoe UI" panose="020B0502040204020203" pitchFamily="34" charset="0"/>
+                <a:cs typeface="Segoe UI" panose="020B0502040204020203" pitchFamily="34" charset="0"/>
+              </a:rPr>
+              <a:t>Interactive Elements</a:t>
+            </a:r>
+          </a:p>
+          <a:p>
+            <a:pPr marL="285750" indent="-285750">
+              <a:lnSpc>
+                <a:spcPct val="100000"/>
+              </a:lnSpc>
+              <a:buFont typeface="Arial" panose="020B0604020202020204" pitchFamily="34" charset="0"/>
+              <a:buChar char="•"/>
+            </a:pPr>
+            <a:r>
+              <a:rPr lang="en-US" i="0" dirty="0">
+                <a:solidFill>
+                  <a:srgbClr val="374151"/>
+                </a:solidFill>
+                <a:effectLst/>
+                <a:latin typeface="Segoe UI" panose="020B0502040204020203" pitchFamily="34" charset="0"/>
+                <a:cs typeface="Segoe UI" panose="020B0502040204020203" pitchFamily="34" charset="0"/>
+              </a:rPr>
+              <a:t>Keyboard Shortcuts</a:t>
+            </a:r>
+          </a:p>
+          <a:p>
+            <a:pPr marL="285750" indent="-285750">
+              <a:lnSpc>
+                <a:spcPct val="100000"/>
+              </a:lnSpc>
+              <a:buFont typeface="Arial" panose="020B0604020202020204" pitchFamily="34" charset="0"/>
+              <a:buChar char="•"/>
+            </a:pPr>
+            <a:r>
+              <a:rPr lang="en-US" i="0" dirty="0">
+                <a:solidFill>
+                  <a:srgbClr val="374151"/>
+                </a:solidFill>
+                <a:effectLst/>
+                <a:latin typeface="Segoe UI" panose="020B0502040204020203" pitchFamily="34" charset="0"/>
+                <a:cs typeface="Segoe UI" panose="020B0502040204020203" pitchFamily="34" charset="0"/>
+              </a:rPr>
+              <a:t>Forms and Form Fields</a:t>
+            </a:r>
+          </a:p>
+          <a:p>
+            <a:pPr marL="285750" indent="-285750">
+              <a:lnSpc>
+                <a:spcPct val="100000"/>
+              </a:lnSpc>
+              <a:buFont typeface="Arial" panose="020B0604020202020204" pitchFamily="34" charset="0"/>
+              <a:buChar char="•"/>
+            </a:pPr>
+            <a:r>
+              <a:rPr lang="en-US" i="0" dirty="0">
+                <a:solidFill>
+                  <a:srgbClr val="374151"/>
+                </a:solidFill>
+                <a:effectLst/>
+                <a:latin typeface="Segoe UI" panose="020B0502040204020203" pitchFamily="34" charset="0"/>
+                <a:cs typeface="Segoe UI" panose="020B0502040204020203" pitchFamily="34" charset="0"/>
+              </a:rPr>
+              <a:t>ARIA Roles and Attributes </a:t>
+            </a:r>
+            <a:endParaRPr lang="en-US" dirty="0">
+              <a:latin typeface="Segoe UI" panose="020B0502040204020203" pitchFamily="34" charset="0"/>
+              <a:cs typeface="Segoe UI" panose="020B0502040204020203" pitchFamily="34" charset="0"/>
+            </a:endParaRPr>
+          </a:p>
+        </p:txBody>
+      </p:sp>
+    </p:spTree>
+    <p:extLst>
+      <p:ext uri="{BB962C8B-B14F-4D97-AF65-F5344CB8AC3E}">
+        <p14:creationId xmlns:p14="http://schemas.microsoft.com/office/powerpoint/2010/main" val="3753311965"/>
+      </p:ext>
+    </p:extLst>
+  </p:cSld>
+  <p:clrMapOvr>
+    <a:masterClrMapping/>
+  </p:clrMapOvr>
+</p:sld>
+</file>
+
+<file path=ppt/slides/slide5.xml><?xml version="1.0" encoding="utf-8"?>
+<p:sld xmlns:a="http://schemas.openxmlformats.org/drawingml/2006/main" xmlns:r="http://schemas.openxmlformats.org/officeDocument/2006/relationships" xmlns:p="http://schemas.openxmlformats.org/presentationml/2006/main">
+  <p:cSld>
+    <p:spTree>
+      <p:nvGrpSpPr>
+        <p:cNvPr id="1" name=""/>
+        <p:cNvGrpSpPr/>
+        <p:nvPr/>
+      </p:nvGrpSpPr>
+      <p:grpSpPr>
+        <a:xfrm>
+          <a:off x="0" y="0"/>
+          <a:ext cx="0" cy="0"/>
+          <a:chOff x="0" y="0"/>
+          <a:chExt cx="0" cy="0"/>
+        </a:xfrm>
+      </p:grpSpPr>
+      <p:sp>
+        <p:nvSpPr>
+          <p:cNvPr id="3" name="TextBox 2">
+            <a:extLst>
+              <a:ext uri="{FF2B5EF4-FFF2-40B4-BE49-F238E27FC236}">
+                <a16:creationId xmlns:a16="http://schemas.microsoft.com/office/drawing/2014/main" id="{128C6FEE-2B94-EC0B-7E17-641F059ED098}"/>
+              </a:ext>
+            </a:extLst>
+          </p:cNvPr>
+          <p:cNvSpPr txBox="1"/>
+          <p:nvPr/>
+        </p:nvSpPr>
+        <p:spPr>
+          <a:xfrm flipH="1">
+            <a:off x="946053" y="689327"/>
+            <a:ext cx="6580164" cy="461665"/>
+          </a:xfrm>
+          <a:prstGeom prst="rect">
+            <a:avLst/>
+          </a:prstGeom>
+          <a:noFill/>
+        </p:spPr>
+        <p:txBody>
+          <a:bodyPr wrap="square" rtlCol="0">
+            <a:spAutoFit/>
+          </a:bodyPr>
+          <a:lstStyle/>
+          <a:p>
+            <a:r>
+              <a:rPr lang="en-US" sz="2400" b="1" dirty="0">
+                <a:solidFill>
+                  <a:schemeClr val="accent2"/>
+                </a:solidFill>
+                <a:latin typeface="Segoe UI" panose="020B0502040204020203" pitchFamily="34" charset="0"/>
+                <a:cs typeface="Segoe UI" panose="020B0502040204020203" pitchFamily="34" charset="0"/>
+              </a:rPr>
+              <a:t>Colors &amp; Contrast ?</a:t>
+            </a:r>
+          </a:p>
+        </p:txBody>
+      </p:sp>
+      <p:sp>
+        <p:nvSpPr>
+          <p:cNvPr id="4" name="TextBox 3">
+            <a:extLst>
+              <a:ext uri="{FF2B5EF4-FFF2-40B4-BE49-F238E27FC236}">
+                <a16:creationId xmlns:a16="http://schemas.microsoft.com/office/drawing/2014/main" id="{3E42B7AC-9637-1F47-EF6E-286C40259B33}"/>
+              </a:ext>
+            </a:extLst>
+          </p:cNvPr>
+          <p:cNvSpPr txBox="1"/>
+          <p:nvPr/>
+        </p:nvSpPr>
+        <p:spPr>
+          <a:xfrm>
+            <a:off x="956603" y="1421852"/>
+            <a:ext cx="10522634" cy="923330"/>
+          </a:xfrm>
+          <a:prstGeom prst="rect">
+            <a:avLst/>
+          </a:prstGeom>
+          <a:noFill/>
+        </p:spPr>
+        <p:txBody>
+          <a:bodyPr wrap="square" rtlCol="0">
+            <a:spAutoFit/>
+          </a:bodyPr>
+          <a:lstStyle/>
+          <a:p>
+            <a:r>
+              <a:rPr lang="en-US" b="0" i="0" dirty="0">
+                <a:solidFill>
+                  <a:srgbClr val="374151"/>
+                </a:solidFill>
+                <a:effectLst/>
+                <a:latin typeface="Segoe UI" panose="020B0502040204020203" pitchFamily="34" charset="0"/>
+                <a:cs typeface="Segoe UI" panose="020B0502040204020203" pitchFamily="34" charset="0"/>
+              </a:rPr>
+              <a:t>Color and contrast play a crucial role in web accessibility. They are essential factors in ensuring that digital content, including websites and applications, can be used effectively by individuals with visual impairments and other disabilities.</a:t>
+            </a:r>
+            <a:endParaRPr lang="en-US" dirty="0">
+              <a:latin typeface="Segoe UI" panose="020B0502040204020203" pitchFamily="34" charset="0"/>
+              <a:cs typeface="Segoe UI" panose="020B0502040204020203" pitchFamily="34" charset="0"/>
+            </a:endParaRPr>
+          </a:p>
+        </p:txBody>
+      </p:sp>
+      <p:sp>
+        <p:nvSpPr>
+          <p:cNvPr id="6" name="TextBox 5">
+            <a:extLst>
+              <a:ext uri="{FF2B5EF4-FFF2-40B4-BE49-F238E27FC236}">
+                <a16:creationId xmlns:a16="http://schemas.microsoft.com/office/drawing/2014/main" id="{692D2613-C131-1783-7D6E-EF91B1BC5163}"/>
+              </a:ext>
+            </a:extLst>
+          </p:cNvPr>
+          <p:cNvSpPr txBox="1"/>
+          <p:nvPr/>
+        </p:nvSpPr>
+        <p:spPr>
+          <a:xfrm>
+            <a:off x="946053" y="2558990"/>
+            <a:ext cx="10522634" cy="923330"/>
+          </a:xfrm>
+          <a:prstGeom prst="rect">
+            <a:avLst/>
+          </a:prstGeom>
+          <a:noFill/>
+        </p:spPr>
+        <p:txBody>
+          <a:bodyPr wrap="square" rtlCol="0">
+            <a:spAutoFit/>
+          </a:bodyPr>
+          <a:lstStyle/>
+          <a:p>
+            <a:r>
+              <a:rPr lang="en-US" b="0" i="0" dirty="0">
+                <a:solidFill>
+                  <a:srgbClr val="374151"/>
+                </a:solidFill>
+                <a:effectLst/>
+                <a:latin typeface="Segoe UI" panose="020B0502040204020203" pitchFamily="34" charset="0"/>
+                <a:cs typeface="Segoe UI" panose="020B0502040204020203" pitchFamily="34" charset="0"/>
+              </a:rPr>
+              <a:t>We can verify Color and Contrast from below website </a:t>
+            </a:r>
+            <a:r>
+              <a:rPr lang="en-US" b="0" i="0" dirty="0" err="1">
+                <a:solidFill>
+                  <a:srgbClr val="374151"/>
+                </a:solidFill>
+                <a:effectLst/>
+                <a:latin typeface="Segoe UI" panose="020B0502040204020203" pitchFamily="34" charset="0"/>
+                <a:cs typeface="Segoe UI" panose="020B0502040204020203" pitchFamily="34" charset="0"/>
+              </a:rPr>
+              <a:t>url</a:t>
+            </a:r>
+            <a:r>
+              <a:rPr lang="en-US" b="0" i="0" dirty="0">
+                <a:solidFill>
+                  <a:srgbClr val="374151"/>
+                </a:solidFill>
+                <a:effectLst/>
+                <a:latin typeface="Segoe UI" panose="020B0502040204020203" pitchFamily="34" charset="0"/>
+                <a:cs typeface="Segoe UI" panose="020B0502040204020203" pitchFamily="34" charset="0"/>
+              </a:rPr>
+              <a:t>.</a:t>
+            </a:r>
+          </a:p>
+          <a:p>
+            <a:endParaRPr lang="en-US" dirty="0">
+              <a:solidFill>
+                <a:srgbClr val="374151"/>
+              </a:solidFill>
+              <a:latin typeface="Segoe UI" panose="020B0502040204020203" pitchFamily="34" charset="0"/>
+              <a:cs typeface="Segoe UI" panose="020B0502040204020203" pitchFamily="34" charset="0"/>
+            </a:endParaRPr>
+          </a:p>
+          <a:p>
+            <a:r>
+              <a:rPr lang="en-US" b="1" dirty="0">
+                <a:solidFill>
+                  <a:srgbClr val="374151"/>
+                </a:solidFill>
+                <a:latin typeface="Segoe UI" panose="020B0502040204020203" pitchFamily="34" charset="0"/>
+                <a:cs typeface="Segoe UI" panose="020B0502040204020203" pitchFamily="34" charset="0"/>
+              </a:rPr>
+              <a:t>Color &amp; Contrast Checker URL</a:t>
+            </a:r>
+            <a:r>
+              <a:rPr lang="en-US" dirty="0">
+                <a:solidFill>
+                  <a:srgbClr val="374151"/>
+                </a:solidFill>
+                <a:latin typeface="Segoe UI" panose="020B0502040204020203" pitchFamily="34" charset="0"/>
+                <a:cs typeface="Segoe UI" panose="020B0502040204020203" pitchFamily="34" charset="0"/>
+              </a:rPr>
+              <a:t>: </a:t>
+            </a:r>
+            <a:r>
+              <a:rPr lang="en-US" dirty="0">
+                <a:solidFill>
+                  <a:srgbClr val="374151"/>
+                </a:solidFill>
+                <a:latin typeface="Segoe UI" panose="020B0502040204020203" pitchFamily="34" charset="0"/>
+                <a:cs typeface="Segoe UI" panose="020B0502040204020203" pitchFamily="34" charset="0"/>
+                <a:hlinkClick r:id="rId2"/>
+              </a:rPr>
+              <a:t>https://webaim.org/resources/contrastchecker/</a:t>
+            </a:r>
+            <a:endParaRPr lang="en-US" dirty="0">
+              <a:latin typeface="Segoe UI" panose="020B0502040204020203" pitchFamily="34" charset="0"/>
+              <a:cs typeface="Segoe UI" panose="020B0502040204020203" pitchFamily="34" charset="0"/>
+            </a:endParaRPr>
+          </a:p>
+        </p:txBody>
+      </p:sp>
+    </p:spTree>
+    <p:extLst>
+      <p:ext uri="{BB962C8B-B14F-4D97-AF65-F5344CB8AC3E}">
+        <p14:creationId xmlns:p14="http://schemas.microsoft.com/office/powerpoint/2010/main" val="1253264054"/>
+      </p:ext>
+    </p:extLst>
+  </p:cSld>
+  <p:clrMapOvr>
+    <a:masterClrMapping/>
+  </p:clrMapOvr>
+</p:sld>
+</file>
+
+<file path=ppt/slides/slide6.xml><?xml version="1.0" encoding="utf-8"?>
+<p:sld xmlns:a="http://schemas.openxmlformats.org/drawingml/2006/main" xmlns:r="http://schemas.openxmlformats.org/officeDocument/2006/relationships" xmlns:p="http://schemas.openxmlformats.org/presentationml/2006/main">
+  <p:cSld>
+    <p:spTree>
+      <p:nvGrpSpPr>
+        <p:cNvPr id="1" name=""/>
+        <p:cNvGrpSpPr/>
+        <p:nvPr/>
+      </p:nvGrpSpPr>
+      <p:grpSpPr>
+        <a:xfrm>
+          <a:off x="0" y="0"/>
+          <a:ext cx="0" cy="0"/>
+          <a:chOff x="0" y="0"/>
+          <a:chExt cx="0" cy="0"/>
+        </a:xfrm>
+      </p:grpSpPr>
+      <p:sp>
+        <p:nvSpPr>
+          <p:cNvPr id="3" name="TextBox 2">
+            <a:extLst>
+              <a:ext uri="{FF2B5EF4-FFF2-40B4-BE49-F238E27FC236}">
+                <a16:creationId xmlns:a16="http://schemas.microsoft.com/office/drawing/2014/main" id="{4712269E-C6BB-23CF-5893-D939043D9A62}"/>
+              </a:ext>
+            </a:extLst>
+          </p:cNvPr>
+          <p:cNvSpPr txBox="1"/>
+          <p:nvPr/>
+        </p:nvSpPr>
+        <p:spPr>
+          <a:xfrm flipH="1">
+            <a:off x="946053" y="689327"/>
+            <a:ext cx="6580164" cy="461665"/>
+          </a:xfrm>
+          <a:prstGeom prst="rect">
+            <a:avLst/>
+          </a:prstGeom>
+          <a:noFill/>
+        </p:spPr>
+        <p:txBody>
+          <a:bodyPr wrap="square" rtlCol="0">
+            <a:spAutoFit/>
+          </a:bodyPr>
+          <a:lstStyle/>
+          <a:p>
+            <a:r>
+              <a:rPr lang="en-US" sz="2400" b="1" dirty="0">
+                <a:solidFill>
+                  <a:schemeClr val="accent2"/>
+                </a:solidFill>
+                <a:latin typeface="Segoe UI" panose="020B0502040204020203" pitchFamily="34" charset="0"/>
+                <a:cs typeface="Segoe UI" panose="020B0502040204020203" pitchFamily="34" charset="0"/>
+              </a:rPr>
+              <a:t>Page Structure?</a:t>
+            </a:r>
+          </a:p>
+        </p:txBody>
+      </p:sp>
+      <p:sp>
+        <p:nvSpPr>
+          <p:cNvPr id="4" name="TextBox 3">
+            <a:extLst>
+              <a:ext uri="{FF2B5EF4-FFF2-40B4-BE49-F238E27FC236}">
+                <a16:creationId xmlns:a16="http://schemas.microsoft.com/office/drawing/2014/main" id="{9B68D807-7205-4994-9242-215133B21C23}"/>
+              </a:ext>
+            </a:extLst>
+          </p:cNvPr>
+          <p:cNvSpPr txBox="1"/>
+          <p:nvPr/>
+        </p:nvSpPr>
+        <p:spPr>
+          <a:xfrm>
+            <a:off x="956603" y="1421852"/>
+            <a:ext cx="10522634" cy="2031325"/>
+          </a:xfrm>
+          <a:prstGeom prst="rect">
+            <a:avLst/>
+          </a:prstGeom>
+          <a:noFill/>
+        </p:spPr>
+        <p:txBody>
+          <a:bodyPr wrap="square" rtlCol="0">
+            <a:spAutoFit/>
+          </a:bodyPr>
+          <a:lstStyle/>
+          <a:p>
+            <a:r>
+              <a:rPr lang="en-US" dirty="0">
+                <a:latin typeface="Segoe UI" panose="020B0502040204020203" pitchFamily="34" charset="0"/>
+                <a:cs typeface="Segoe UI" panose="020B0502040204020203" pitchFamily="34" charset="0"/>
+              </a:rPr>
+              <a:t>A well-structured page ensures that users, including those with disabilities, can easily navigate, understand, and interact with the content. Here are key considerations for page structure in accessibility.</a:t>
+            </a:r>
+          </a:p>
+          <a:p>
+            <a:endParaRPr lang="en-US" dirty="0">
+              <a:latin typeface="Segoe UI" panose="020B0502040204020203" pitchFamily="34" charset="0"/>
+              <a:cs typeface="Segoe UI" panose="020B0502040204020203" pitchFamily="34" charset="0"/>
+            </a:endParaRPr>
+          </a:p>
+          <a:p>
+            <a:r>
+              <a:rPr lang="en-US" dirty="0">
+                <a:latin typeface="Segoe UI" panose="020B0502040204020203" pitchFamily="34" charset="0"/>
+                <a:cs typeface="Segoe UI" panose="020B0502040204020203" pitchFamily="34" charset="0"/>
+              </a:rPr>
+              <a:t>Use heading elements (h1, h2, h3, etc.) to outline the structure of your page. The &lt;h1&gt; element should represent the main heading of the page, followed by subheadings using &lt;h2&gt;, &lt;h3&gt;, and so on, as needed.</a:t>
+            </a:r>
+          </a:p>
+        </p:txBody>
+      </p:sp>
+      <p:sp>
+        <p:nvSpPr>
+          <p:cNvPr id="6" name="Text Placeholder 7">
+            <a:extLst>
+              <a:ext uri="{FF2B5EF4-FFF2-40B4-BE49-F238E27FC236}">
+                <a16:creationId xmlns:a16="http://schemas.microsoft.com/office/drawing/2014/main" id="{16D7FEE6-3074-2AC0-CF2F-8C2B9F47426E}"/>
+              </a:ext>
+            </a:extLst>
+          </p:cNvPr>
+          <p:cNvSpPr txBox="1">
+            <a:spLocks/>
+          </p:cNvSpPr>
+          <p:nvPr/>
+        </p:nvSpPr>
+        <p:spPr>
+          <a:xfrm>
+            <a:off x="1390839" y="3527085"/>
+            <a:ext cx="4705161" cy="2683119"/>
+          </a:xfrm>
+          <a:prstGeom prst="rect">
+            <a:avLst/>
+          </a:prstGeom>
+        </p:spPr>
+        <p:txBody>
+          <a:bodyPr>
+            <a:noAutofit/>
+          </a:bodyPr>
+          <a:lstStyle>
+            <a:lvl1pPr marL="228603" indent="-228603" algn="l" defTabSz="914413" rtl="0" eaLnBrk="1" latinLnBrk="0" hangingPunct="1">
+              <a:lnSpc>
+                <a:spcPct val="90000"/>
+              </a:lnSpc>
+              <a:spcBef>
+                <a:spcPts val="1000"/>
+              </a:spcBef>
+              <a:buClr>
+                <a:schemeClr val="accent2"/>
+              </a:buClr>
+              <a:buSzPct val="80000"/>
+              <a:buFont typeface="Arial" panose="020B0604020202020204" pitchFamily="34" charset="0"/>
+              <a:buChar char="•"/>
+              <a:defRPr sz="1800" kern="1200">
+                <a:solidFill>
+                  <a:schemeClr val="tx1"/>
+                </a:solidFill>
+                <a:latin typeface="Avenir Next LT Pro" panose="020B0504020202020204" pitchFamily="34" charset="77"/>
+                <a:ea typeface="+mn-ea"/>
+                <a:cs typeface="+mn-cs"/>
+              </a:defRPr>
+            </a:lvl1pPr>
+            <a:lvl2pPr marL="685810" indent="-228603" algn="l" defTabSz="914413" rtl="0" eaLnBrk="1" latinLnBrk="0" hangingPunct="1">
+              <a:lnSpc>
+                <a:spcPct val="90000"/>
+              </a:lnSpc>
+              <a:spcBef>
+                <a:spcPts val="500"/>
+              </a:spcBef>
+              <a:buClr>
+                <a:schemeClr val="accent2"/>
+              </a:buClr>
+              <a:buSzPct val="80000"/>
+              <a:buFont typeface="Arial" panose="020B0604020202020204" pitchFamily="34" charset="0"/>
+              <a:buChar char="•"/>
+              <a:defRPr sz="1600" kern="1200">
+                <a:solidFill>
+                  <a:schemeClr val="tx1"/>
+                </a:solidFill>
+                <a:latin typeface="Avenir Next LT Pro" panose="020B0504020202020204" pitchFamily="34" charset="77"/>
+                <a:ea typeface="+mn-ea"/>
+                <a:cs typeface="+mn-cs"/>
+              </a:defRPr>
+            </a:lvl2pPr>
+            <a:lvl3pPr marL="1143017" indent="-228603" algn="l" defTabSz="914413" rtl="0" eaLnBrk="1" latinLnBrk="0" hangingPunct="1">
+              <a:lnSpc>
+                <a:spcPct val="90000"/>
+              </a:lnSpc>
+              <a:spcBef>
+                <a:spcPts val="500"/>
+              </a:spcBef>
+              <a:buClr>
+                <a:schemeClr val="accent2"/>
+              </a:buClr>
+              <a:buSzPct val="80000"/>
+              <a:buFont typeface="Arial" panose="020B0604020202020204" pitchFamily="34" charset="0"/>
+              <a:buChar char="•"/>
+              <a:defRPr sz="1400" kern="1200">
+                <a:solidFill>
+                  <a:schemeClr val="tx1"/>
+                </a:solidFill>
+                <a:latin typeface="Avenir Next LT Pro" panose="020B0504020202020204" pitchFamily="34" charset="77"/>
+                <a:ea typeface="+mn-ea"/>
+                <a:cs typeface="+mn-cs"/>
+              </a:defRPr>
+            </a:lvl3pPr>
+            <a:lvl4pPr marL="1600224" indent="-228603" algn="l" defTabSz="914413" rtl="0" eaLnBrk="1" latinLnBrk="0" hangingPunct="1">
+              <a:lnSpc>
+                <a:spcPct val="90000"/>
+              </a:lnSpc>
+              <a:spcBef>
+                <a:spcPts val="500"/>
+              </a:spcBef>
+              <a:buClr>
+                <a:schemeClr val="accent2"/>
+              </a:buClr>
+              <a:buSzPct val="80000"/>
+              <a:buFont typeface="Arial" panose="020B0604020202020204" pitchFamily="34" charset="0"/>
+              <a:buChar char="•"/>
+              <a:defRPr sz="1200" kern="1200">
+                <a:solidFill>
+                  <a:schemeClr val="tx1"/>
+                </a:solidFill>
+                <a:latin typeface="Avenir Next LT Pro" panose="020B0504020202020204" pitchFamily="34" charset="77"/>
+                <a:ea typeface="+mn-ea"/>
+                <a:cs typeface="+mn-cs"/>
+              </a:defRPr>
+            </a:lvl4pPr>
+            <a:lvl5pPr marL="2057430" indent="-228603" algn="l" defTabSz="914413" rtl="0" eaLnBrk="1" latinLnBrk="0" hangingPunct="1">
+              <a:lnSpc>
+                <a:spcPct val="90000"/>
+              </a:lnSpc>
+              <a:spcBef>
+                <a:spcPts val="500"/>
+              </a:spcBef>
+              <a:buClr>
+                <a:schemeClr val="accent2"/>
+              </a:buClr>
+              <a:buSzPct val="80000"/>
+              <a:buFont typeface="Arial" panose="020B0604020202020204" pitchFamily="34" charset="0"/>
+              <a:buChar char="•"/>
+              <a:defRPr sz="1200" kern="1200">
+                <a:solidFill>
+                  <a:schemeClr val="tx1"/>
+                </a:solidFill>
+                <a:latin typeface="Avenir Next LT Pro" panose="020B0504020202020204" pitchFamily="34" charset="77"/>
+                <a:ea typeface="+mn-ea"/>
+                <a:cs typeface="+mn-cs"/>
+              </a:defRPr>
+            </a:lvl5pPr>
+            <a:lvl6pPr marL="2514637" indent="-228603" algn="l" defTabSz="914413" rtl="0" eaLnBrk="1" latinLnBrk="0" hangingPunct="1">
+              <a:lnSpc>
+                <a:spcPct val="90000"/>
+              </a:lnSpc>
+              <a:spcBef>
+                <a:spcPts val="500"/>
+              </a:spcBef>
+              <a:buFont typeface="Arial" panose="020B0604020202020204" pitchFamily="34" charset="0"/>
+              <a:buChar char="•"/>
+              <a:defRPr sz="1800" kern="1200">
+                <a:solidFill>
+                  <a:schemeClr val="tx1"/>
+                </a:solidFill>
+                <a:latin typeface="+mn-lt"/>
+                <a:ea typeface="+mn-ea"/>
+                <a:cs typeface="+mn-cs"/>
+              </a:defRPr>
+            </a:lvl6pPr>
+            <a:lvl7pPr marL="2971843" indent="-228603" algn="l" defTabSz="914413" rtl="0" eaLnBrk="1" latinLnBrk="0" hangingPunct="1">
+              <a:lnSpc>
+                <a:spcPct val="90000"/>
+              </a:lnSpc>
+              <a:spcBef>
+                <a:spcPts val="500"/>
+              </a:spcBef>
+              <a:buFont typeface="Arial" panose="020B0604020202020204" pitchFamily="34" charset="0"/>
+              <a:buChar char="•"/>
+              <a:defRPr sz="1800" kern="1200">
+                <a:solidFill>
+                  <a:schemeClr val="tx1"/>
+                </a:solidFill>
+                <a:latin typeface="+mn-lt"/>
+                <a:ea typeface="+mn-ea"/>
+                <a:cs typeface="+mn-cs"/>
+              </a:defRPr>
+            </a:lvl7pPr>
+            <a:lvl8pPr marL="3429051" indent="-228603" algn="l" defTabSz="914413" rtl="0" eaLnBrk="1" latinLnBrk="0" hangingPunct="1">
+              <a:lnSpc>
+                <a:spcPct val="90000"/>
+              </a:lnSpc>
+              <a:spcBef>
+                <a:spcPts val="500"/>
+              </a:spcBef>
+              <a:buFont typeface="Arial" panose="020B0604020202020204" pitchFamily="34" charset="0"/>
+              <a:buChar char="•"/>
+              <a:defRPr sz="1800" kern="1200">
+                <a:solidFill>
+                  <a:schemeClr val="tx1"/>
+                </a:solidFill>
+                <a:latin typeface="+mn-lt"/>
+                <a:ea typeface="+mn-ea"/>
+                <a:cs typeface="+mn-cs"/>
+              </a:defRPr>
+            </a:lvl8pPr>
+            <a:lvl9pPr marL="3886257" indent="-228603" algn="l" defTabSz="914413" rtl="0" eaLnBrk="1" latinLnBrk="0" hangingPunct="1">
+              <a:lnSpc>
+                <a:spcPct val="90000"/>
+              </a:lnSpc>
+              <a:spcBef>
+                <a:spcPts val="500"/>
+              </a:spcBef>
+              <a:buFont typeface="Arial" panose="020B0604020202020204" pitchFamily="34" charset="0"/>
+              <a:buChar char="•"/>
+              <a:defRPr sz="1800" kern="1200">
+                <a:solidFill>
+                  <a:schemeClr val="tx1"/>
+                </a:solidFill>
+                <a:latin typeface="+mn-lt"/>
+                <a:ea typeface="+mn-ea"/>
+                <a:cs typeface="+mn-cs"/>
+              </a:defRPr>
+            </a:lvl9pPr>
+          </a:lstStyle>
+          <a:p>
+            <a:pPr marL="285750" indent="-285750">
+              <a:lnSpc>
+                <a:spcPct val="100000"/>
+              </a:lnSpc>
+              <a:buFont typeface="Arial" panose="020B0604020202020204" pitchFamily="34" charset="0"/>
+              <a:buChar char="•"/>
+            </a:pPr>
+            <a:r>
+              <a:rPr lang="en-US" i="0" dirty="0">
+                <a:solidFill>
+                  <a:srgbClr val="374151"/>
+                </a:solidFill>
+                <a:effectLst/>
+                <a:latin typeface="Segoe UI" panose="020B0502040204020203" pitchFamily="34" charset="0"/>
+                <a:cs typeface="Segoe UI" panose="020B0502040204020203" pitchFamily="34" charset="0"/>
+              </a:rPr>
+              <a:t>Semantic HTML Elements</a:t>
+            </a:r>
+          </a:p>
+          <a:p>
+            <a:pPr marL="285750" indent="-285750">
+              <a:lnSpc>
+                <a:spcPct val="100000"/>
+              </a:lnSpc>
+              <a:buFont typeface="Arial" panose="020B0604020202020204" pitchFamily="34" charset="0"/>
+              <a:buChar char="•"/>
+            </a:pPr>
+            <a:r>
+              <a:rPr lang="en-US" i="0" dirty="0">
+                <a:solidFill>
+                  <a:srgbClr val="374151"/>
+                </a:solidFill>
+                <a:effectLst/>
+                <a:latin typeface="Segoe UI" panose="020B0502040204020203" pitchFamily="34" charset="0"/>
+                <a:cs typeface="Segoe UI" panose="020B0502040204020203" pitchFamily="34" charset="0"/>
+              </a:rPr>
+              <a:t>Accessible Form Structure</a:t>
+            </a:r>
+          </a:p>
+          <a:p>
+            <a:pPr marL="285750" indent="-285750">
+              <a:lnSpc>
+                <a:spcPct val="100000"/>
+              </a:lnSpc>
+              <a:buFont typeface="Arial" panose="020B0604020202020204" pitchFamily="34" charset="0"/>
+              <a:buChar char="•"/>
+            </a:pPr>
+            <a:r>
+              <a:rPr lang="en-US" i="0" dirty="0">
+                <a:solidFill>
+                  <a:srgbClr val="374151"/>
+                </a:solidFill>
+                <a:effectLst/>
+                <a:latin typeface="Segoe UI" panose="020B0502040204020203" pitchFamily="34" charset="0"/>
+                <a:cs typeface="Segoe UI" panose="020B0502040204020203" pitchFamily="34" charset="0"/>
+              </a:rPr>
+              <a:t>Accessible Tables</a:t>
+            </a:r>
+          </a:p>
+          <a:p>
+            <a:pPr marL="285750" indent="-285750">
+              <a:lnSpc>
+                <a:spcPct val="100000"/>
+              </a:lnSpc>
+              <a:buFont typeface="Arial" panose="020B0604020202020204" pitchFamily="34" charset="0"/>
+              <a:buChar char="•"/>
+            </a:pPr>
+            <a:r>
+              <a:rPr lang="en-US" i="0" dirty="0">
+                <a:solidFill>
+                  <a:srgbClr val="374151"/>
+                </a:solidFill>
+                <a:effectLst/>
+                <a:latin typeface="Segoe UI" panose="020B0502040204020203" pitchFamily="34" charset="0"/>
+                <a:cs typeface="Segoe UI" panose="020B0502040204020203" pitchFamily="34" charset="0"/>
+              </a:rPr>
+              <a:t>Responsive Design</a:t>
+            </a:r>
+          </a:p>
+          <a:p>
+            <a:pPr marL="285750" indent="-285750">
+              <a:lnSpc>
+                <a:spcPct val="100000"/>
+              </a:lnSpc>
+            </a:pPr>
+            <a:r>
+              <a:rPr lang="en-US" dirty="0">
+                <a:solidFill>
+                  <a:srgbClr val="374151"/>
+                </a:solidFill>
+                <a:latin typeface="Segoe UI" panose="020B0502040204020203" pitchFamily="34" charset="0"/>
+                <a:cs typeface="Segoe UI" panose="020B0502040204020203" pitchFamily="34" charset="0"/>
+              </a:rPr>
+              <a:t>Logical Reading Order / </a:t>
+            </a:r>
+            <a:r>
+              <a:rPr lang="en-US" i="0" dirty="0">
+                <a:solidFill>
+                  <a:srgbClr val="374151"/>
+                </a:solidFill>
+                <a:effectLst/>
+                <a:latin typeface="Segoe UI" panose="020B0502040204020203" pitchFamily="34" charset="0"/>
+                <a:cs typeface="Segoe UI" panose="020B0502040204020203" pitchFamily="34" charset="0"/>
+              </a:rPr>
+              <a:t>Logical Tab Order</a:t>
+            </a:r>
+            <a:endParaRPr lang="en-US" dirty="0">
+              <a:solidFill>
+                <a:srgbClr val="374151"/>
+              </a:solidFill>
+              <a:latin typeface="Segoe UI" panose="020B0502040204020203" pitchFamily="34" charset="0"/>
+              <a:cs typeface="Segoe UI" panose="020B0502040204020203" pitchFamily="34" charset="0"/>
+            </a:endParaRPr>
+          </a:p>
+          <a:p>
+            <a:pPr marL="285750" indent="-285750">
+              <a:lnSpc>
+                <a:spcPct val="100000"/>
+              </a:lnSpc>
+              <a:buFont typeface="Arial" panose="020B0604020202020204" pitchFamily="34" charset="0"/>
+              <a:buChar char="•"/>
+            </a:pPr>
+            <a:r>
+              <a:rPr lang="en-US" dirty="0">
+                <a:solidFill>
+                  <a:srgbClr val="374151"/>
+                </a:solidFill>
+                <a:latin typeface="Segoe UI" panose="020B0502040204020203" pitchFamily="34" charset="0"/>
+                <a:cs typeface="Segoe UI" panose="020B0502040204020203" pitchFamily="34" charset="0"/>
+              </a:rPr>
+              <a:t>Consistent Navigation</a:t>
+            </a:r>
+          </a:p>
+        </p:txBody>
+      </p:sp>
+    </p:spTree>
+    <p:extLst>
+      <p:ext uri="{BB962C8B-B14F-4D97-AF65-F5344CB8AC3E}">
+        <p14:creationId xmlns:p14="http://schemas.microsoft.com/office/powerpoint/2010/main" val="644429205"/>
+      </p:ext>
+    </p:extLst>
+  </p:cSld>
+  <p:clrMapOvr>
+    <a:masterClrMapping/>
+  </p:clrMapOvr>
+</p:sld>
+</file>
+
+<file path=ppt/slides/slide7.xml><?xml version="1.0" encoding="utf-8"?>
+<p:sld xmlns:a="http://schemas.openxmlformats.org/drawingml/2006/main" xmlns:r="http://schemas.openxmlformats.org/officeDocument/2006/relationships" xmlns:p="http://schemas.openxmlformats.org/presentationml/2006/main">
+  <p:cSld>
+    <p:spTree>
+      <p:nvGrpSpPr>
+        <p:cNvPr id="1" name=""/>
+        <p:cNvGrpSpPr/>
+        <p:nvPr/>
+      </p:nvGrpSpPr>
+      <p:grpSpPr>
+        <a:xfrm>
+          <a:off x="0" y="0"/>
+          <a:ext cx="0" cy="0"/>
+          <a:chOff x="0" y="0"/>
+          <a:chExt cx="0" cy="0"/>
+        </a:xfrm>
+      </p:grpSpPr>
+      <p:sp>
+        <p:nvSpPr>
+          <p:cNvPr id="3" name="TextBox 2">
+            <a:extLst>
+              <a:ext uri="{FF2B5EF4-FFF2-40B4-BE49-F238E27FC236}">
+                <a16:creationId xmlns:a16="http://schemas.microsoft.com/office/drawing/2014/main" id="{8B8A8B84-59BF-0045-257A-DA6CB1137215}"/>
+              </a:ext>
+            </a:extLst>
+          </p:cNvPr>
+          <p:cNvSpPr txBox="1"/>
+          <p:nvPr/>
+        </p:nvSpPr>
+        <p:spPr>
+          <a:xfrm flipH="1">
+            <a:off x="946053" y="689327"/>
+            <a:ext cx="6580164" cy="461665"/>
+          </a:xfrm>
+          <a:prstGeom prst="rect">
+            <a:avLst/>
+          </a:prstGeom>
+          <a:noFill/>
+        </p:spPr>
+        <p:txBody>
+          <a:bodyPr wrap="square" rtlCol="0">
+            <a:spAutoFit/>
+          </a:bodyPr>
+          <a:lstStyle/>
+          <a:p>
+            <a:r>
+              <a:rPr lang="en-US" sz="2400" b="1" dirty="0">
+                <a:solidFill>
+                  <a:schemeClr val="accent2"/>
+                </a:solidFill>
+                <a:latin typeface="Segoe UI" panose="020B0502040204020203" pitchFamily="34" charset="0"/>
+                <a:cs typeface="Segoe UI" panose="020B0502040204020203" pitchFamily="34" charset="0"/>
+              </a:rPr>
+              <a:t>Some Common Type of Accessibility Issue?</a:t>
+            </a:r>
+          </a:p>
+        </p:txBody>
+      </p:sp>
+      <p:sp>
+        <p:nvSpPr>
+          <p:cNvPr id="5" name="Text Placeholder 7">
+            <a:extLst>
+              <a:ext uri="{FF2B5EF4-FFF2-40B4-BE49-F238E27FC236}">
+                <a16:creationId xmlns:a16="http://schemas.microsoft.com/office/drawing/2014/main" id="{13D776AB-6B3A-10D3-E2BB-315F80BCEF35}"/>
+              </a:ext>
+            </a:extLst>
+          </p:cNvPr>
+          <p:cNvSpPr txBox="1">
+            <a:spLocks/>
+          </p:cNvSpPr>
+          <p:nvPr/>
+        </p:nvSpPr>
+        <p:spPr>
+          <a:xfrm>
+            <a:off x="1362705" y="1290321"/>
+            <a:ext cx="10679241" cy="4547774"/>
+          </a:xfrm>
+          <a:prstGeom prst="rect">
+            <a:avLst/>
+          </a:prstGeom>
+        </p:spPr>
+        <p:txBody>
+          <a:bodyPr>
+            <a:noAutofit/>
+          </a:bodyPr>
+          <a:lstStyle>
+            <a:lvl1pPr marL="228603" indent="-228603" algn="l" defTabSz="914413" rtl="0" eaLnBrk="1" latinLnBrk="0" hangingPunct="1">
+              <a:lnSpc>
+                <a:spcPct val="90000"/>
+              </a:lnSpc>
+              <a:spcBef>
+                <a:spcPts val="1000"/>
+              </a:spcBef>
+              <a:buClr>
+                <a:schemeClr val="accent2"/>
+              </a:buClr>
+              <a:buSzPct val="80000"/>
+              <a:buFont typeface="Arial" panose="020B0604020202020204" pitchFamily="34" charset="0"/>
+              <a:buChar char="•"/>
+              <a:defRPr sz="1800" kern="1200">
+                <a:solidFill>
+                  <a:schemeClr val="tx1"/>
+                </a:solidFill>
+                <a:latin typeface="Avenir Next LT Pro" panose="020B0504020202020204" pitchFamily="34" charset="77"/>
+                <a:ea typeface="+mn-ea"/>
+                <a:cs typeface="+mn-cs"/>
+              </a:defRPr>
+            </a:lvl1pPr>
+            <a:lvl2pPr marL="685810" indent="-228603" algn="l" defTabSz="914413" rtl="0" eaLnBrk="1" latinLnBrk="0" hangingPunct="1">
+              <a:lnSpc>
+                <a:spcPct val="90000"/>
+              </a:lnSpc>
+              <a:spcBef>
+                <a:spcPts val="500"/>
+              </a:spcBef>
+              <a:buClr>
+                <a:schemeClr val="accent2"/>
+              </a:buClr>
+              <a:buSzPct val="80000"/>
+              <a:buFont typeface="Arial" panose="020B0604020202020204" pitchFamily="34" charset="0"/>
+              <a:buChar char="•"/>
+              <a:defRPr sz="1600" kern="1200">
+                <a:solidFill>
+                  <a:schemeClr val="tx1"/>
+                </a:solidFill>
+                <a:latin typeface="Avenir Next LT Pro" panose="020B0504020202020204" pitchFamily="34" charset="77"/>
+                <a:ea typeface="+mn-ea"/>
+                <a:cs typeface="+mn-cs"/>
+              </a:defRPr>
+            </a:lvl2pPr>
+            <a:lvl3pPr marL="1143017" indent="-228603" algn="l" defTabSz="914413" rtl="0" eaLnBrk="1" latinLnBrk="0" hangingPunct="1">
+              <a:lnSpc>
+                <a:spcPct val="90000"/>
+              </a:lnSpc>
+              <a:spcBef>
+                <a:spcPts val="500"/>
+              </a:spcBef>
+              <a:buClr>
+                <a:schemeClr val="accent2"/>
+              </a:buClr>
+              <a:buSzPct val="80000"/>
+              <a:buFont typeface="Arial" panose="020B0604020202020204" pitchFamily="34" charset="0"/>
+              <a:buChar char="•"/>
+              <a:defRPr sz="1400" kern="1200">
+                <a:solidFill>
+                  <a:schemeClr val="tx1"/>
+                </a:solidFill>
+                <a:latin typeface="Avenir Next LT Pro" panose="020B0504020202020204" pitchFamily="34" charset="77"/>
+                <a:ea typeface="+mn-ea"/>
+                <a:cs typeface="+mn-cs"/>
+              </a:defRPr>
+            </a:lvl3pPr>
+            <a:lvl4pPr marL="1600224" indent="-228603" algn="l" defTabSz="914413" rtl="0" eaLnBrk="1" latinLnBrk="0" hangingPunct="1">
+              <a:lnSpc>
+                <a:spcPct val="90000"/>
+              </a:lnSpc>
+              <a:spcBef>
+                <a:spcPts val="500"/>
+              </a:spcBef>
+              <a:buClr>
+                <a:schemeClr val="accent2"/>
+              </a:buClr>
+              <a:buSzPct val="80000"/>
+              <a:buFont typeface="Arial" panose="020B0604020202020204" pitchFamily="34" charset="0"/>
+              <a:buChar char="•"/>
+              <a:defRPr sz="1200" kern="1200">
+                <a:solidFill>
+                  <a:schemeClr val="tx1"/>
+                </a:solidFill>
+                <a:latin typeface="Avenir Next LT Pro" panose="020B0504020202020204" pitchFamily="34" charset="77"/>
+                <a:ea typeface="+mn-ea"/>
+                <a:cs typeface="+mn-cs"/>
+              </a:defRPr>
+            </a:lvl4pPr>
+            <a:lvl5pPr marL="2057430" indent="-228603" algn="l" defTabSz="914413" rtl="0" eaLnBrk="1" latinLnBrk="0" hangingPunct="1">
+              <a:lnSpc>
+                <a:spcPct val="90000"/>
+              </a:lnSpc>
+              <a:spcBef>
+                <a:spcPts val="500"/>
+              </a:spcBef>
+              <a:buClr>
+                <a:schemeClr val="accent2"/>
+              </a:buClr>
+              <a:buSzPct val="80000"/>
+              <a:buFont typeface="Arial" panose="020B0604020202020204" pitchFamily="34" charset="0"/>
+              <a:buChar char="•"/>
+              <a:defRPr sz="1200" kern="1200">
+                <a:solidFill>
+                  <a:schemeClr val="tx1"/>
+                </a:solidFill>
+                <a:latin typeface="Avenir Next LT Pro" panose="020B0504020202020204" pitchFamily="34" charset="77"/>
+                <a:ea typeface="+mn-ea"/>
+                <a:cs typeface="+mn-cs"/>
+              </a:defRPr>
+            </a:lvl5pPr>
+            <a:lvl6pPr marL="2514637" indent="-228603" algn="l" defTabSz="914413" rtl="0" eaLnBrk="1" latinLnBrk="0" hangingPunct="1">
+              <a:lnSpc>
+                <a:spcPct val="90000"/>
+              </a:lnSpc>
+              <a:spcBef>
+                <a:spcPts val="500"/>
+              </a:spcBef>
+              <a:buFont typeface="Arial" panose="020B0604020202020204" pitchFamily="34" charset="0"/>
+              <a:buChar char="•"/>
+              <a:defRPr sz="1800" kern="1200">
+                <a:solidFill>
+                  <a:schemeClr val="tx1"/>
+                </a:solidFill>
+                <a:latin typeface="+mn-lt"/>
+                <a:ea typeface="+mn-ea"/>
+                <a:cs typeface="+mn-cs"/>
+              </a:defRPr>
+            </a:lvl6pPr>
+            <a:lvl7pPr marL="2971843" indent="-228603" algn="l" defTabSz="914413" rtl="0" eaLnBrk="1" latinLnBrk="0" hangingPunct="1">
+              <a:lnSpc>
+                <a:spcPct val="90000"/>
+              </a:lnSpc>
+              <a:spcBef>
+                <a:spcPts val="500"/>
+              </a:spcBef>
+              <a:buFont typeface="Arial" panose="020B0604020202020204" pitchFamily="34" charset="0"/>
+              <a:buChar char="•"/>
+              <a:defRPr sz="1800" kern="1200">
+                <a:solidFill>
+                  <a:schemeClr val="tx1"/>
+                </a:solidFill>
+                <a:latin typeface="+mn-lt"/>
+                <a:ea typeface="+mn-ea"/>
+                <a:cs typeface="+mn-cs"/>
+              </a:defRPr>
+            </a:lvl7pPr>
+            <a:lvl8pPr marL="3429051" indent="-228603" algn="l" defTabSz="914413" rtl="0" eaLnBrk="1" latinLnBrk="0" hangingPunct="1">
+              <a:lnSpc>
+                <a:spcPct val="90000"/>
+              </a:lnSpc>
+              <a:spcBef>
+                <a:spcPts val="500"/>
+              </a:spcBef>
+              <a:buFont typeface="Arial" panose="020B0604020202020204" pitchFamily="34" charset="0"/>
+              <a:buChar char="•"/>
+              <a:defRPr sz="1800" kern="1200">
+                <a:solidFill>
+                  <a:schemeClr val="tx1"/>
+                </a:solidFill>
+                <a:latin typeface="+mn-lt"/>
+                <a:ea typeface="+mn-ea"/>
+                <a:cs typeface="+mn-cs"/>
+              </a:defRPr>
+            </a:lvl8pPr>
+            <a:lvl9pPr marL="3886257" indent="-228603" algn="l" defTabSz="914413" rtl="0" eaLnBrk="1" latinLnBrk="0" hangingPunct="1">
+              <a:lnSpc>
+                <a:spcPct val="90000"/>
+              </a:lnSpc>
+              <a:spcBef>
+                <a:spcPts val="500"/>
+              </a:spcBef>
+              <a:buFont typeface="Arial" panose="020B0604020202020204" pitchFamily="34" charset="0"/>
+              <a:buChar char="•"/>
+              <a:defRPr sz="1800" kern="1200">
+                <a:solidFill>
+                  <a:schemeClr val="tx1"/>
+                </a:solidFill>
+                <a:latin typeface="+mn-lt"/>
+                <a:ea typeface="+mn-ea"/>
+                <a:cs typeface="+mn-cs"/>
+              </a:defRPr>
+            </a:lvl9pPr>
+          </a:lstStyle>
+          <a:p>
+            <a:pPr marL="285750" indent="-285750">
+              <a:lnSpc>
+                <a:spcPct val="100000"/>
+              </a:lnSpc>
+              <a:buFont typeface="Arial" panose="020B0604020202020204" pitchFamily="34" charset="0"/>
+              <a:buChar char="•"/>
+            </a:pPr>
+            <a:r>
+              <a:rPr lang="en-US" i="0" dirty="0">
+                <a:solidFill>
+                  <a:srgbClr val="374151"/>
+                </a:solidFill>
+                <a:effectLst/>
+                <a:latin typeface="Segoe UI" panose="020B0502040204020203" pitchFamily="34" charset="0"/>
+                <a:cs typeface="Segoe UI" panose="020B0502040204020203" pitchFamily="34" charset="0"/>
+              </a:rPr>
+              <a:t>Language missing or invalid</a:t>
+            </a:r>
+          </a:p>
+          <a:p>
+            <a:pPr marL="285750" indent="-285750">
+              <a:lnSpc>
+                <a:spcPct val="100000"/>
+              </a:lnSpc>
+              <a:buFont typeface="Arial" panose="020B0604020202020204" pitchFamily="34" charset="0"/>
+              <a:buChar char="•"/>
+            </a:pPr>
+            <a:r>
+              <a:rPr lang="en-US" i="0" dirty="0">
+                <a:solidFill>
+                  <a:srgbClr val="374151"/>
+                </a:solidFill>
+                <a:effectLst/>
+                <a:latin typeface="Segoe UI" panose="020B0502040204020203" pitchFamily="34" charset="0"/>
+                <a:cs typeface="Segoe UI" panose="020B0502040204020203" pitchFamily="34" charset="0"/>
+              </a:rPr>
+              <a:t>Contrast Error</a:t>
+            </a:r>
+          </a:p>
+          <a:p>
+            <a:pPr marL="285750" indent="-285750">
+              <a:lnSpc>
+                <a:spcPct val="100000"/>
+              </a:lnSpc>
+              <a:buFont typeface="Arial" panose="020B0604020202020204" pitchFamily="34" charset="0"/>
+              <a:buChar char="•"/>
+            </a:pPr>
+            <a:r>
+              <a:rPr lang="en-US" i="0" dirty="0">
+                <a:solidFill>
+                  <a:srgbClr val="374151"/>
+                </a:solidFill>
+                <a:effectLst/>
+                <a:latin typeface="Segoe UI" panose="020B0502040204020203" pitchFamily="34" charset="0"/>
+                <a:cs typeface="Segoe UI" panose="020B0502040204020203" pitchFamily="34" charset="0"/>
+              </a:rPr>
+              <a:t>Alternative text missing</a:t>
+            </a:r>
+          </a:p>
+          <a:p>
+            <a:pPr marL="285750" indent="-285750">
+              <a:lnSpc>
+                <a:spcPct val="100000"/>
+              </a:lnSpc>
+              <a:buFont typeface="Arial" panose="020B0604020202020204" pitchFamily="34" charset="0"/>
+              <a:buChar char="•"/>
+            </a:pPr>
+            <a:r>
+              <a:rPr lang="en-US" i="0" dirty="0">
+                <a:solidFill>
+                  <a:srgbClr val="374151"/>
+                </a:solidFill>
+                <a:effectLst/>
+                <a:latin typeface="Segoe UI" panose="020B0502040204020203" pitchFamily="34" charset="0"/>
+                <a:cs typeface="Segoe UI" panose="020B0502040204020203" pitchFamily="34" charset="0"/>
+              </a:rPr>
+              <a:t>Empty heading</a:t>
+            </a:r>
+          </a:p>
+          <a:p>
+            <a:pPr marL="285750" indent="-285750">
+              <a:lnSpc>
+                <a:spcPct val="100000"/>
+              </a:lnSpc>
+              <a:buFont typeface="Arial" panose="020B0604020202020204" pitchFamily="34" charset="0"/>
+              <a:buChar char="•"/>
+            </a:pPr>
+            <a:r>
+              <a:rPr lang="en-US" i="0" dirty="0">
+                <a:solidFill>
+                  <a:srgbClr val="374151"/>
+                </a:solidFill>
+                <a:effectLst/>
+                <a:latin typeface="Segoe UI" panose="020B0502040204020203" pitchFamily="34" charset="0"/>
+                <a:cs typeface="Segoe UI" panose="020B0502040204020203" pitchFamily="34" charset="0"/>
+              </a:rPr>
+              <a:t>Empty button</a:t>
+            </a:r>
+          </a:p>
+          <a:p>
+            <a:pPr marL="285750" indent="-285750">
+              <a:lnSpc>
+                <a:spcPct val="100000"/>
+              </a:lnSpc>
+              <a:buFont typeface="Arial" panose="020B0604020202020204" pitchFamily="34" charset="0"/>
+              <a:buChar char="•"/>
+            </a:pPr>
+            <a:r>
+              <a:rPr lang="en-US" i="0" dirty="0">
+                <a:solidFill>
+                  <a:srgbClr val="374151"/>
+                </a:solidFill>
+                <a:effectLst/>
+                <a:latin typeface="Segoe UI" panose="020B0502040204020203" pitchFamily="34" charset="0"/>
+                <a:cs typeface="Segoe UI" panose="020B0502040204020203" pitchFamily="34" charset="0"/>
+              </a:rPr>
+              <a:t>Missing form label &amp; Empty</a:t>
+            </a:r>
+          </a:p>
+          <a:p>
+            <a:pPr marL="285750" indent="-285750">
+              <a:lnSpc>
+                <a:spcPct val="100000"/>
+              </a:lnSpc>
+              <a:buFont typeface="Arial" panose="020B0604020202020204" pitchFamily="34" charset="0"/>
+              <a:buChar char="•"/>
+            </a:pPr>
+            <a:r>
+              <a:rPr lang="en-US" i="0" dirty="0">
+                <a:solidFill>
+                  <a:srgbClr val="374151"/>
+                </a:solidFill>
+                <a:effectLst/>
+                <a:latin typeface="Segoe UI" panose="020B0502040204020203" pitchFamily="34" charset="0"/>
+                <a:cs typeface="Segoe UI" panose="020B0502040204020203" pitchFamily="34" charset="0"/>
+              </a:rPr>
+              <a:t>Form Label</a:t>
+            </a:r>
+          </a:p>
+          <a:p>
+            <a:pPr marL="285750" indent="-285750">
+              <a:lnSpc>
+                <a:spcPct val="100000"/>
+              </a:lnSpc>
+              <a:buFont typeface="Arial" panose="020B0604020202020204" pitchFamily="34" charset="0"/>
+              <a:buChar char="•"/>
+            </a:pPr>
+            <a:r>
+              <a:rPr lang="en-US" i="0" dirty="0">
+                <a:solidFill>
+                  <a:srgbClr val="374151"/>
+                </a:solidFill>
+                <a:effectLst/>
+                <a:latin typeface="Segoe UI" panose="020B0502040204020203" pitchFamily="34" charset="0"/>
+                <a:cs typeface="Segoe UI" panose="020B0502040204020203" pitchFamily="34" charset="0"/>
+              </a:rPr>
+              <a:t>Empty link</a:t>
+            </a:r>
+          </a:p>
+          <a:p>
+            <a:pPr marL="285750" indent="-285750">
+              <a:lnSpc>
+                <a:spcPct val="100000"/>
+              </a:lnSpc>
+              <a:buFont typeface="Arial" panose="020B0604020202020204" pitchFamily="34" charset="0"/>
+              <a:buChar char="•"/>
+            </a:pPr>
+            <a:r>
+              <a:rPr lang="en-US" i="0" dirty="0">
+                <a:solidFill>
+                  <a:srgbClr val="374151"/>
+                </a:solidFill>
+                <a:effectLst/>
+                <a:latin typeface="Segoe UI" panose="020B0502040204020203" pitchFamily="34" charset="0"/>
+                <a:cs typeface="Segoe UI" panose="020B0502040204020203" pitchFamily="34" charset="0"/>
+              </a:rPr>
+              <a:t>Linked image missing alternative text</a:t>
+            </a:r>
+          </a:p>
+          <a:p>
+            <a:pPr marL="285750" indent="-285750">
+              <a:lnSpc>
+                <a:spcPct val="100000"/>
+              </a:lnSpc>
+              <a:buFont typeface="Arial" panose="020B0604020202020204" pitchFamily="34" charset="0"/>
+              <a:buChar char="•"/>
+            </a:pPr>
+            <a:r>
+              <a:rPr lang="en-US" i="0" dirty="0">
+                <a:solidFill>
+                  <a:srgbClr val="374151"/>
+                </a:solidFill>
+                <a:effectLst/>
+                <a:latin typeface="Segoe UI" panose="020B0502040204020203" pitchFamily="34" charset="0"/>
+                <a:cs typeface="Segoe UI" panose="020B0502040204020203" pitchFamily="34" charset="0"/>
+              </a:rPr>
+              <a:t>Spacer image missing alternative text</a:t>
+            </a:r>
+          </a:p>
+          <a:p>
+            <a:pPr marL="285750" indent="-285750">
+              <a:lnSpc>
+                <a:spcPct val="100000"/>
+              </a:lnSpc>
+              <a:buFont typeface="Arial" panose="020B0604020202020204" pitchFamily="34" charset="0"/>
+              <a:buChar char="•"/>
+            </a:pPr>
+            <a:r>
+              <a:rPr lang="en-US" i="0" dirty="0">
+                <a:solidFill>
+                  <a:srgbClr val="374151"/>
+                </a:solidFill>
+                <a:effectLst/>
+                <a:latin typeface="Segoe UI" panose="020B0502040204020203" pitchFamily="34" charset="0"/>
+                <a:cs typeface="Segoe UI" panose="020B0502040204020203" pitchFamily="34" charset="0"/>
+              </a:rPr>
+              <a:t>Missing form label(Google Captcha)</a:t>
+            </a:r>
+          </a:p>
+        </p:txBody>
+      </p:sp>
+    </p:spTree>
+    <p:extLst>
+      <p:ext uri="{BB962C8B-B14F-4D97-AF65-F5344CB8AC3E}">
+        <p14:creationId xmlns:p14="http://schemas.microsoft.com/office/powerpoint/2010/main" val="597026089"/>
+      </p:ext>
+    </p:extLst>
+  </p:cSld>
+  <p:clrMapOvr>
+    <a:masterClrMapping/>
+  </p:clrMapOvr>
+</p:sld>
+</file>
+
+<file path=ppt/slides/slide8.xml><?xml version="1.0" encoding="utf-8"?>
+<p:sld xmlns:a="http://schemas.openxmlformats.org/drawingml/2006/main" xmlns:r="http://schemas.openxmlformats.org/officeDocument/2006/relationships" xmlns:p="http://schemas.openxmlformats.org/presentationml/2006/main">
+  <p:cSld>
+    <p:spTree>
+      <p:nvGrpSpPr>
+        <p:cNvPr id="1" name=""/>
+        <p:cNvGrpSpPr/>
+        <p:nvPr/>
+      </p:nvGrpSpPr>
+      <p:grpSpPr>
+        <a:xfrm>
+          <a:off x="0" y="0"/>
+          <a:ext cx="0" cy="0"/>
+          <a:chOff x="0" y="0"/>
+          <a:chExt cx="0" cy="0"/>
+        </a:xfrm>
+      </p:grpSpPr>
+      <p:sp>
+        <p:nvSpPr>
+          <p:cNvPr id="3" name="TextBox 2">
+            <a:extLst>
+              <a:ext uri="{FF2B5EF4-FFF2-40B4-BE49-F238E27FC236}">
+                <a16:creationId xmlns:a16="http://schemas.microsoft.com/office/drawing/2014/main" id="{A760FD77-71B8-B135-D8AC-465AEEE0B57A}"/>
+              </a:ext>
+            </a:extLst>
+          </p:cNvPr>
+          <p:cNvSpPr txBox="1"/>
+          <p:nvPr/>
+        </p:nvSpPr>
+        <p:spPr>
+          <a:xfrm flipH="1">
+            <a:off x="946053" y="689327"/>
+            <a:ext cx="10462845" cy="461665"/>
+          </a:xfrm>
+          <a:prstGeom prst="rect">
+            <a:avLst/>
+          </a:prstGeom>
+          <a:noFill/>
+        </p:spPr>
+        <p:txBody>
+          <a:bodyPr wrap="square" rtlCol="0">
+            <a:spAutoFit/>
+          </a:bodyPr>
+          <a:lstStyle/>
+          <a:p>
+            <a:r>
+              <a:rPr lang="en-US" sz="2400" b="1" dirty="0">
+                <a:solidFill>
+                  <a:schemeClr val="accent2"/>
+                </a:solidFill>
+                <a:latin typeface="Segoe UI" panose="020B0502040204020203" pitchFamily="34" charset="0"/>
+                <a:cs typeface="Segoe UI" panose="020B0502040204020203" pitchFamily="34" charset="0"/>
+              </a:rPr>
+              <a:t>Solution for Common types of Accessibility Issue?</a:t>
+            </a:r>
+          </a:p>
+        </p:txBody>
+      </p:sp>
+      <p:sp>
+        <p:nvSpPr>
+          <p:cNvPr id="4" name="TextBox 3">
+            <a:extLst>
+              <a:ext uri="{FF2B5EF4-FFF2-40B4-BE49-F238E27FC236}">
+                <a16:creationId xmlns:a16="http://schemas.microsoft.com/office/drawing/2014/main" id="{3E8E2578-3805-27CC-0339-01EFD82771DC}"/>
+              </a:ext>
+            </a:extLst>
+          </p:cNvPr>
+          <p:cNvSpPr txBox="1"/>
+          <p:nvPr/>
+        </p:nvSpPr>
+        <p:spPr>
+          <a:xfrm>
+            <a:off x="956603" y="1421852"/>
+            <a:ext cx="10522634" cy="646331"/>
+          </a:xfrm>
+          <a:prstGeom prst="rect">
+            <a:avLst/>
+          </a:prstGeom>
+          <a:noFill/>
+        </p:spPr>
+        <p:txBody>
+          <a:bodyPr wrap="square" rtlCol="0">
+            <a:spAutoFit/>
+          </a:bodyPr>
+          <a:lstStyle/>
+          <a:p>
+            <a:r>
+              <a:rPr lang="en-US" b="0" i="0" dirty="0">
+                <a:solidFill>
+                  <a:srgbClr val="374151"/>
+                </a:solidFill>
+                <a:effectLst/>
+                <a:latin typeface="Segoe UI" panose="020B0502040204020203" pitchFamily="34" charset="0"/>
+                <a:cs typeface="Segoe UI" panose="020B0502040204020203" pitchFamily="34" charset="0"/>
+              </a:rPr>
+              <a:t>I have created a live demo of solution common type of accessibility issue. Will provide demo of it one by one.</a:t>
+            </a:r>
+            <a:endParaRPr lang="en-US" dirty="0">
+              <a:latin typeface="Segoe UI" panose="020B0502040204020203" pitchFamily="34" charset="0"/>
+              <a:cs typeface="Segoe UI" panose="020B0502040204020203" pitchFamily="34" charset="0"/>
+            </a:endParaRPr>
+          </a:p>
+        </p:txBody>
+      </p:sp>
+      <p:sp>
+        <p:nvSpPr>
+          <p:cNvPr id="5" name="TextBox 4">
+            <a:extLst>
+              <a:ext uri="{FF2B5EF4-FFF2-40B4-BE49-F238E27FC236}">
+                <a16:creationId xmlns:a16="http://schemas.microsoft.com/office/drawing/2014/main" id="{7A041625-9893-9FC6-84A7-A19B261D883D}"/>
+              </a:ext>
+            </a:extLst>
+          </p:cNvPr>
+          <p:cNvSpPr txBox="1"/>
+          <p:nvPr/>
+        </p:nvSpPr>
+        <p:spPr>
+          <a:xfrm>
+            <a:off x="956603" y="2325208"/>
+            <a:ext cx="10522634" cy="369332"/>
+          </a:xfrm>
+          <a:prstGeom prst="rect">
+            <a:avLst/>
+          </a:prstGeom>
+          <a:noFill/>
+        </p:spPr>
+        <p:txBody>
+          <a:bodyPr wrap="square" rtlCol="0">
+            <a:spAutoFit/>
+          </a:bodyPr>
+          <a:lstStyle/>
+          <a:p>
+            <a:r>
+              <a:rPr lang="en-US" b="1" dirty="0">
+                <a:solidFill>
+                  <a:srgbClr val="374151"/>
+                </a:solidFill>
+                <a:latin typeface="Segoe UI" panose="020B0502040204020203" pitchFamily="34" charset="0"/>
+                <a:cs typeface="Segoe UI" panose="020B0502040204020203" pitchFamily="34" charset="0"/>
+              </a:rPr>
+              <a:t>Solution Code Repo URL</a:t>
+            </a:r>
+            <a:r>
+              <a:rPr lang="en-US" dirty="0">
+                <a:solidFill>
+                  <a:srgbClr val="374151"/>
+                </a:solidFill>
+                <a:latin typeface="Segoe UI" panose="020B0502040204020203" pitchFamily="34" charset="0"/>
+                <a:cs typeface="Segoe UI" panose="020B0502040204020203" pitchFamily="34" charset="0"/>
+              </a:rPr>
+              <a:t>: </a:t>
+            </a:r>
+            <a:r>
+              <a:rPr lang="en-US" dirty="0">
+                <a:solidFill>
+                  <a:srgbClr val="374151"/>
+                </a:solidFill>
+                <a:latin typeface="Segoe UI" panose="020B0502040204020203" pitchFamily="34" charset="0"/>
+                <a:cs typeface="Segoe UI" panose="020B0502040204020203" pitchFamily="34" charset="0"/>
+                <a:hlinkClick r:id="rId2"/>
+              </a:rPr>
+              <a:t>https://github.com/ervkgithub/web-accessibility</a:t>
+            </a:r>
+            <a:endParaRPr lang="en-US" dirty="0">
+              <a:latin typeface="Segoe UI" panose="020B0502040204020203" pitchFamily="34" charset="0"/>
+              <a:cs typeface="Segoe UI" panose="020B0502040204020203" pitchFamily="34" charset="0"/>
+            </a:endParaRPr>
+          </a:p>
+        </p:txBody>
+      </p:sp>
+    </p:spTree>
+    <p:extLst>
+      <p:ext uri="{BB962C8B-B14F-4D97-AF65-F5344CB8AC3E}">
+        <p14:creationId xmlns:p14="http://schemas.microsoft.com/office/powerpoint/2010/main" val="1717001786"/>
+      </p:ext>
+    </p:extLst>
+  </p:cSld>
+  <p:clrMapOvr>
+    <a:masterClrMapping/>
+  </p:clrMapOvr>
+</p:sld>
+</file>
+
+<file path=ppt/slides/slide9.xml><?xml version="1.0" encoding="utf-8"?>
 <p:sld xmlns:a="http://schemas.openxmlformats.org/drawingml/2006/main" xmlns:r="http://schemas.openxmlformats.org/officeDocument/2006/relationships" xmlns:p="http://schemas.openxmlformats.org/presentationml/2006/main">
   <p:cSld>
     <p:spTree>
